--- a/Programmierung.pptx
+++ b/Programmierung.pptx
@@ -6,11 +6,13 @@
   </p:sldMasterIdLst>
   <p:sldIdLst>
     <p:sldId id="256" r:id="rId2"/>
-    <p:sldId id="257" r:id="rId3"/>
-    <p:sldId id="258" r:id="rId4"/>
-    <p:sldId id="259" r:id="rId5"/>
-    <p:sldId id="260" r:id="rId6"/>
-    <p:sldId id="261" r:id="rId7"/>
+    <p:sldId id="263" r:id="rId3"/>
+    <p:sldId id="257" r:id="rId4"/>
+    <p:sldId id="258" r:id="rId5"/>
+    <p:sldId id="259" r:id="rId6"/>
+    <p:sldId id="260" r:id="rId7"/>
+    <p:sldId id="261" r:id="rId8"/>
+    <p:sldId id="262" r:id="rId9"/>
   </p:sldIdLst>
   <p:sldSz cx="12192000" cy="6858000"/>
   <p:notesSz cx="6858000" cy="9144000"/>
@@ -109,6 +111,11 @@
       </a:defRPr>
     </a:lvl9pPr>
   </p:defaultTextStyle>
+  <p:extLst>
+    <p:ext uri="{EFAFB233-063F-42B5-8137-9DF3F51BA10A}">
+      <p15:sldGuideLst xmlns:p15="http://schemas.microsoft.com/office/powerpoint/2012/main"/>
+    </p:ext>
+  </p:extLst>
 </p:presentation>
 </file>
 
@@ -298,7 +305,7 @@
           <a:p>
             <a:fld id="{999A8DD2-C443-44AD-85B3-4CE72B962C5F}" type="datetimeFigureOut">
               <a:rPr lang="en-US" smtClean="0"/>
-              <a:t>4/3/2024</a:t>
+              <a:t>4/4/2024</a:t>
             </a:fld>
             <a:endParaRPr lang="en-US"/>
           </a:p>
@@ -573,7 +580,7 @@
           <a:p>
             <a:fld id="{999A8DD2-C443-44AD-85B3-4CE72B962C5F}" type="datetimeFigureOut">
               <a:rPr lang="en-US" smtClean="0"/>
-              <a:t>4/3/2024</a:t>
+              <a:t>4/4/2024</a:t>
             </a:fld>
             <a:endParaRPr lang="en-US"/>
           </a:p>
@@ -767,7 +774,7 @@
           <a:p>
             <a:fld id="{999A8DD2-C443-44AD-85B3-4CE72B962C5F}" type="datetimeFigureOut">
               <a:rPr lang="en-US" smtClean="0"/>
-              <a:t>4/3/2024</a:t>
+              <a:t>4/4/2024</a:t>
             </a:fld>
             <a:endParaRPr lang="en-US"/>
           </a:p>
@@ -1040,7 +1047,7 @@
           <a:p>
             <a:fld id="{999A8DD2-C443-44AD-85B3-4CE72B962C5F}" type="datetimeFigureOut">
               <a:rPr lang="en-US" smtClean="0"/>
-              <a:t>4/3/2024</a:t>
+              <a:t>4/4/2024</a:t>
             </a:fld>
             <a:endParaRPr lang="en-US"/>
           </a:p>
@@ -1381,7 +1388,7 @@
           <a:p>
             <a:fld id="{999A8DD2-C443-44AD-85B3-4CE72B962C5F}" type="datetimeFigureOut">
               <a:rPr lang="en-US" smtClean="0"/>
-              <a:t>4/3/2024</a:t>
+              <a:t>4/4/2024</a:t>
             </a:fld>
             <a:endParaRPr lang="en-US"/>
           </a:p>
@@ -2004,7 +2011,7 @@
           <a:p>
             <a:fld id="{999A8DD2-C443-44AD-85B3-4CE72B962C5F}" type="datetimeFigureOut">
               <a:rPr lang="en-US" smtClean="0"/>
-              <a:t>4/3/2024</a:t>
+              <a:t>4/4/2024</a:t>
             </a:fld>
             <a:endParaRPr lang="en-US"/>
           </a:p>
@@ -2864,7 +2871,7 @@
           <a:p>
             <a:fld id="{999A8DD2-C443-44AD-85B3-4CE72B962C5F}" type="datetimeFigureOut">
               <a:rPr lang="en-US" smtClean="0"/>
-              <a:t>4/3/2024</a:t>
+              <a:t>4/4/2024</a:t>
             </a:fld>
             <a:endParaRPr lang="en-US"/>
           </a:p>
@@ -3034,7 +3041,7 @@
           <a:p>
             <a:fld id="{999A8DD2-C443-44AD-85B3-4CE72B962C5F}" type="datetimeFigureOut">
               <a:rPr lang="en-US" smtClean="0"/>
-              <a:t>4/3/2024</a:t>
+              <a:t>4/4/2024</a:t>
             </a:fld>
             <a:endParaRPr lang="en-US"/>
           </a:p>
@@ -3214,7 +3221,7 @@
           <a:p>
             <a:fld id="{999A8DD2-C443-44AD-85B3-4CE72B962C5F}" type="datetimeFigureOut">
               <a:rPr lang="en-US" smtClean="0"/>
-              <a:t>4/3/2024</a:t>
+              <a:t>4/4/2024</a:t>
             </a:fld>
             <a:endParaRPr lang="en-US"/>
           </a:p>
@@ -3384,7 +3391,7 @@
           <a:p>
             <a:fld id="{999A8DD2-C443-44AD-85B3-4CE72B962C5F}" type="datetimeFigureOut">
               <a:rPr lang="en-US" smtClean="0"/>
-              <a:t>4/3/2024</a:t>
+              <a:t>4/4/2024</a:t>
             </a:fld>
             <a:endParaRPr lang="en-US"/>
           </a:p>
@@ -3631,7 +3638,7 @@
           <a:p>
             <a:fld id="{999A8DD2-C443-44AD-85B3-4CE72B962C5F}" type="datetimeFigureOut">
               <a:rPr lang="en-US" smtClean="0"/>
-              <a:t>4/3/2024</a:t>
+              <a:t>4/4/2024</a:t>
             </a:fld>
             <a:endParaRPr lang="en-US"/>
           </a:p>
@@ -3923,7 +3930,7 @@
           <a:p>
             <a:fld id="{999A8DD2-C443-44AD-85B3-4CE72B962C5F}" type="datetimeFigureOut">
               <a:rPr lang="en-US" smtClean="0"/>
-              <a:t>4/3/2024</a:t>
+              <a:t>4/4/2024</a:t>
             </a:fld>
             <a:endParaRPr lang="en-US"/>
           </a:p>
@@ -4367,7 +4374,7 @@
           <a:p>
             <a:fld id="{999A8DD2-C443-44AD-85B3-4CE72B962C5F}" type="datetimeFigureOut">
               <a:rPr lang="en-US" smtClean="0"/>
-              <a:t>4/3/2024</a:t>
+              <a:t>4/4/2024</a:t>
             </a:fld>
             <a:endParaRPr lang="en-US"/>
           </a:p>
@@ -4485,7 +4492,7 @@
           <a:p>
             <a:fld id="{999A8DD2-C443-44AD-85B3-4CE72B962C5F}" type="datetimeFigureOut">
               <a:rPr lang="en-US" smtClean="0"/>
-              <a:t>4/3/2024</a:t>
+              <a:t>4/4/2024</a:t>
             </a:fld>
             <a:endParaRPr lang="en-US"/>
           </a:p>
@@ -4580,7 +4587,7 @@
           <a:p>
             <a:fld id="{999A8DD2-C443-44AD-85B3-4CE72B962C5F}" type="datetimeFigureOut">
               <a:rPr lang="en-US" smtClean="0"/>
-              <a:t>4/3/2024</a:t>
+              <a:t>4/4/2024</a:t>
             </a:fld>
             <a:endParaRPr lang="en-US"/>
           </a:p>
@@ -4859,7 +4866,7 @@
           <a:p>
             <a:fld id="{999A8DD2-C443-44AD-85B3-4CE72B962C5F}" type="datetimeFigureOut">
               <a:rPr lang="en-US" smtClean="0"/>
-              <a:t>4/3/2024</a:t>
+              <a:t>4/4/2024</a:t>
             </a:fld>
             <a:endParaRPr lang="en-US"/>
           </a:p>
@@ -5134,7 +5141,7 @@
           <a:p>
             <a:fld id="{999A8DD2-C443-44AD-85B3-4CE72B962C5F}" type="datetimeFigureOut">
               <a:rPr lang="en-US" smtClean="0"/>
-              <a:t>4/3/2024</a:t>
+              <a:t>4/4/2024</a:t>
             </a:fld>
             <a:endParaRPr lang="en-US"/>
           </a:p>
@@ -5563,7 +5570,7 @@
           <a:p>
             <a:fld id="{999A8DD2-C443-44AD-85B3-4CE72B962C5F}" type="datetimeFigureOut">
               <a:rPr lang="en-US" smtClean="0"/>
-              <a:t>4/3/2024</a:t>
+              <a:t>4/4/2024</a:t>
             </a:fld>
             <a:endParaRPr lang="en-US"/>
           </a:p>
@@ -7398,6 +7405,35 @@
 <file path=ppt/slides/slide2.xml><?xml version="1.0" encoding="utf-8"?>
 <p:sld xmlns:a="http://schemas.openxmlformats.org/drawingml/2006/main" xmlns:r="http://schemas.openxmlformats.org/officeDocument/2006/relationships" xmlns:p="http://schemas.openxmlformats.org/presentationml/2006/main">
   <p:cSld>
+    <p:bg>
+      <p:bgPr>
+        <a:gradFill rotWithShape="1">
+          <a:gsLst>
+            <a:gs pos="0">
+              <a:schemeClr val="bg2">
+                <a:tint val="97000"/>
+                <a:hueMod val="88000"/>
+                <a:satMod val="130000"/>
+                <a:lumMod val="124000"/>
+              </a:schemeClr>
+            </a:gs>
+            <a:gs pos="100000">
+              <a:schemeClr val="bg2">
+                <a:tint val="96000"/>
+                <a:shade val="88000"/>
+                <a:hueMod val="108000"/>
+                <a:satMod val="164000"/>
+                <a:lumMod val="76000"/>
+              </a:schemeClr>
+            </a:gs>
+          </a:gsLst>
+          <a:path path="circle">
+            <a:fillToRect l="45000" t="65000" r="125000" b="100000"/>
+          </a:path>
+        </a:gradFill>
+        <a:effectLst/>
+      </p:bgPr>
+    </p:bg>
     <p:spTree>
       <p:nvGrpSpPr>
         <p:cNvPr id="1" name=""/>
@@ -7412,6 +7448,1422 @@
           <a:chExt cx="0" cy="0"/>
         </a:xfrm>
       </p:grpSpPr>
+      <p:pic>
+        <p:nvPicPr>
+          <p:cNvPr id="7" name="Picture 6">
+            <a:extLst>
+              <a:ext uri="{FF2B5EF4-FFF2-40B4-BE49-F238E27FC236}">
+                <a16:creationId xmlns:a16="http://schemas.microsoft.com/office/drawing/2014/main" id="{91B28F63-CF00-448F-B141-FE33C33B1891}"/>
+              </a:ext>
+              <a:ext uri="{C183D7F6-B498-43B3-948B-1728B52AA6E4}">
+                <adec:decorative xmlns:adec="http://schemas.microsoft.com/office/drawing/2017/decorative" val="1"/>
+              </a:ext>
+            </a:extLst>
+          </p:cNvPr>
+          <p:cNvPicPr>
+            <a:picLocks noGrp="1" noRot="1" noChangeAspect="1" noMove="1" noResize="1" noEditPoints="1" noAdjustHandles="1" noChangeArrowheads="1" noChangeShapeType="1" noCrop="1"/>
+          </p:cNvPicPr>
+          <p:nvPr>
+            <p:extLst>
+              <p:ext uri="{386F3935-93C4-4BCD-93E2-E3B085C9AB24}">
+                <p16:designElem xmlns:p16="http://schemas.microsoft.com/office/powerpoint/2015/main" val="1"/>
+              </p:ext>
+            </p:extLst>
+          </p:nvPr>
+        </p:nvPicPr>
+        <p:blipFill rotWithShape="1">
+          <a:blip r:embed="rId2">
+            <a:extLst>
+              <a:ext uri="{28A0092B-C50C-407E-A947-70E740481C1C}">
+                <a14:useLocalDpi xmlns:a14="http://schemas.microsoft.com/office/drawing/2010/main" val="0"/>
+              </a:ext>
+            </a:extLst>
+          </a:blip>
+          <a:srcRect l="3613"/>
+          <a:stretch/>
+        </p:blipFill>
+        <p:spPr>
+          <a:xfrm>
+            <a:off x="0" y="2669685"/>
+            <a:ext cx="4037012" cy="4188315"/>
+          </a:xfrm>
+          <a:prstGeom prst="rect">
+            <a:avLst/>
+          </a:prstGeom>
+        </p:spPr>
+      </p:pic>
+      <p:pic>
+        <p:nvPicPr>
+          <p:cNvPr id="9" name="Picture 8">
+            <a:extLst>
+              <a:ext uri="{FF2B5EF4-FFF2-40B4-BE49-F238E27FC236}">
+                <a16:creationId xmlns:a16="http://schemas.microsoft.com/office/drawing/2014/main" id="{2AE609E2-8522-44E4-9077-980E5BCF3E14}"/>
+              </a:ext>
+              <a:ext uri="{C183D7F6-B498-43B3-948B-1728B52AA6E4}">
+                <adec:decorative xmlns:adec="http://schemas.microsoft.com/office/drawing/2017/decorative" val="1"/>
+              </a:ext>
+            </a:extLst>
+          </p:cNvPr>
+          <p:cNvPicPr>
+            <a:picLocks noGrp="1" noRot="1" noChangeAspect="1" noMove="1" noResize="1" noEditPoints="1" noAdjustHandles="1" noChangeArrowheads="1" noChangeShapeType="1" noCrop="1"/>
+          </p:cNvPicPr>
+          <p:nvPr>
+            <p:extLst>
+              <p:ext uri="{386F3935-93C4-4BCD-93E2-E3B085C9AB24}">
+                <p16:designElem xmlns:p16="http://schemas.microsoft.com/office/powerpoint/2015/main" val="1"/>
+              </p:ext>
+            </p:extLst>
+          </p:nvPr>
+        </p:nvPicPr>
+        <p:blipFill rotWithShape="1">
+          <a:blip r:embed="rId3">
+            <a:extLst>
+              <a:ext uri="{28A0092B-C50C-407E-A947-70E740481C1C}">
+                <a14:useLocalDpi xmlns:a14="http://schemas.microsoft.com/office/drawing/2010/main" val="0"/>
+              </a:ext>
+            </a:extLst>
+          </a:blip>
+          <a:srcRect l="35640"/>
+          <a:stretch/>
+        </p:blipFill>
+        <p:spPr>
+          <a:xfrm>
+            <a:off x="0" y="2892347"/>
+            <a:ext cx="1522412" cy="2365453"/>
+          </a:xfrm>
+          <a:prstGeom prst="rect">
+            <a:avLst/>
+          </a:prstGeom>
+        </p:spPr>
+      </p:pic>
+      <p:sp>
+        <p:nvSpPr>
+          <p:cNvPr id="11" name="Oval 10">
+            <a:extLst>
+              <a:ext uri="{FF2B5EF4-FFF2-40B4-BE49-F238E27FC236}">
+                <a16:creationId xmlns:a16="http://schemas.microsoft.com/office/drawing/2014/main" id="{4FA533C5-33E3-4611-AF9F-72811D8B26A6}"/>
+              </a:ext>
+              <a:ext uri="{C183D7F6-B498-43B3-948B-1728B52AA6E4}">
+                <adec:decorative xmlns:adec="http://schemas.microsoft.com/office/drawing/2017/decorative" val="1"/>
+              </a:ext>
+            </a:extLst>
+          </p:cNvPr>
+          <p:cNvSpPr>
+            <a:spLocks noGrp="1" noRot="1" noChangeAspect="1" noMove="1" noResize="1" noEditPoints="1" noAdjustHandles="1" noChangeArrowheads="1" noChangeShapeType="1" noTextEdit="1"/>
+          </p:cNvSpPr>
+          <p:nvPr>
+            <p:extLst>
+              <p:ext uri="{386F3935-93C4-4BCD-93E2-E3B085C9AB24}">
+                <p16:designElem xmlns:p16="http://schemas.microsoft.com/office/powerpoint/2015/main" val="1"/>
+              </p:ext>
+            </p:extLst>
+          </p:nvPr>
+        </p:nvSpPr>
+        <p:spPr>
+          <a:xfrm>
+            <a:off x="8609012" y="1676400"/>
+            <a:ext cx="2819400" cy="2819400"/>
+          </a:xfrm>
+          <a:prstGeom prst="ellipse">
+            <a:avLst/>
+          </a:prstGeom>
+          <a:gradFill flip="none" rotWithShape="1">
+            <a:gsLst>
+              <a:gs pos="0">
+                <a:schemeClr val="bg2">
+                  <a:lumMod val="60000"/>
+                  <a:lumOff val="40000"/>
+                  <a:alpha val="7000"/>
+                </a:schemeClr>
+              </a:gs>
+              <a:gs pos="69000">
+                <a:schemeClr val="bg2">
+                  <a:lumMod val="60000"/>
+                  <a:lumOff val="40000"/>
+                  <a:alpha val="0"/>
+                </a:schemeClr>
+              </a:gs>
+              <a:gs pos="36000">
+                <a:schemeClr val="bg2">
+                  <a:lumMod val="60000"/>
+                  <a:lumOff val="40000"/>
+                  <a:alpha val="6000"/>
+                </a:schemeClr>
+              </a:gs>
+            </a:gsLst>
+            <a:path path="circle">
+              <a:fillToRect l="50000" t="50000" r="50000" b="50000"/>
+            </a:path>
+            <a:tileRect/>
+          </a:gradFill>
+          <a:ln>
+            <a:noFill/>
+          </a:ln>
+          <a:effectLst/>
+        </p:spPr>
+        <p:style>
+          <a:lnRef idx="1">
+            <a:schemeClr val="accent1"/>
+          </a:lnRef>
+          <a:fillRef idx="3">
+            <a:schemeClr val="accent1"/>
+          </a:fillRef>
+          <a:effectRef idx="2">
+            <a:schemeClr val="accent1"/>
+          </a:effectRef>
+          <a:fontRef idx="minor">
+            <a:schemeClr val="lt1"/>
+          </a:fontRef>
+        </p:style>
+        <p:txBody>
+          <a:bodyPr/>
+          <a:lstStyle/>
+          <a:p>
+            <a:endParaRPr lang="de-AT"/>
+          </a:p>
+        </p:txBody>
+      </p:sp>
+      <p:pic>
+        <p:nvPicPr>
+          <p:cNvPr id="13" name="Picture 12">
+            <a:extLst>
+              <a:ext uri="{FF2B5EF4-FFF2-40B4-BE49-F238E27FC236}">
+                <a16:creationId xmlns:a16="http://schemas.microsoft.com/office/drawing/2014/main" id="{8949AD42-25FD-4C3D-9EEE-B7FEC5809988}"/>
+              </a:ext>
+              <a:ext uri="{C183D7F6-B498-43B3-948B-1728B52AA6E4}">
+                <adec:decorative xmlns:adec="http://schemas.microsoft.com/office/drawing/2017/decorative" val="1"/>
+              </a:ext>
+            </a:extLst>
+          </p:cNvPr>
+          <p:cNvPicPr>
+            <a:picLocks noGrp="1" noRot="1" noChangeAspect="1" noMove="1" noResize="1" noEditPoints="1" noAdjustHandles="1" noChangeArrowheads="1" noChangeShapeType="1" noCrop="1"/>
+          </p:cNvPicPr>
+          <p:nvPr>
+            <p:extLst>
+              <p:ext uri="{386F3935-93C4-4BCD-93E2-E3B085C9AB24}">
+                <p16:designElem xmlns:p16="http://schemas.microsoft.com/office/powerpoint/2015/main" val="1"/>
+              </p:ext>
+            </p:extLst>
+          </p:nvPr>
+        </p:nvPicPr>
+        <p:blipFill rotWithShape="1">
+          <a:blip r:embed="rId4">
+            <a:extLst>
+              <a:ext uri="{28A0092B-C50C-407E-A947-70E740481C1C}">
+                <a14:useLocalDpi xmlns:a14="http://schemas.microsoft.com/office/drawing/2010/main" val="0"/>
+              </a:ext>
+            </a:extLst>
+          </a:blip>
+          <a:srcRect t="28813"/>
+          <a:stretch/>
+        </p:blipFill>
+        <p:spPr>
+          <a:xfrm>
+            <a:off x="7999412" y="0"/>
+            <a:ext cx="1603387" cy="1141407"/>
+          </a:xfrm>
+          <a:prstGeom prst="rect">
+            <a:avLst/>
+          </a:prstGeom>
+        </p:spPr>
+      </p:pic>
+      <p:pic>
+        <p:nvPicPr>
+          <p:cNvPr id="15" name="Picture 14">
+            <a:extLst>
+              <a:ext uri="{FF2B5EF4-FFF2-40B4-BE49-F238E27FC236}">
+                <a16:creationId xmlns:a16="http://schemas.microsoft.com/office/drawing/2014/main" id="{6AC7D913-60B7-4603-881B-831DA5D3A940}"/>
+              </a:ext>
+              <a:ext uri="{C183D7F6-B498-43B3-948B-1728B52AA6E4}">
+                <adec:decorative xmlns:adec="http://schemas.microsoft.com/office/drawing/2017/decorative" val="1"/>
+              </a:ext>
+            </a:extLst>
+          </p:cNvPr>
+          <p:cNvPicPr>
+            <a:picLocks noGrp="1" noRot="1" noChangeAspect="1" noMove="1" noResize="1" noEditPoints="1" noAdjustHandles="1" noChangeArrowheads="1" noChangeShapeType="1" noCrop="1"/>
+          </p:cNvPicPr>
+          <p:nvPr>
+            <p:extLst>
+              <p:ext uri="{386F3935-93C4-4BCD-93E2-E3B085C9AB24}">
+                <p16:designElem xmlns:p16="http://schemas.microsoft.com/office/powerpoint/2015/main" val="1"/>
+              </p:ext>
+            </p:extLst>
+          </p:nvPr>
+        </p:nvPicPr>
+        <p:blipFill rotWithShape="1">
+          <a:blip r:embed="rId5">
+            <a:extLst>
+              <a:ext uri="{28A0092B-C50C-407E-A947-70E740481C1C}">
+                <a14:useLocalDpi xmlns:a14="http://schemas.microsoft.com/office/drawing/2010/main" val="0"/>
+              </a:ext>
+            </a:extLst>
+          </a:blip>
+          <a:srcRect b="23320"/>
+          <a:stretch/>
+        </p:blipFill>
+        <p:spPr>
+          <a:xfrm>
+            <a:off x="8605878" y="6096000"/>
+            <a:ext cx="993734" cy="762000"/>
+          </a:xfrm>
+          <a:prstGeom prst="rect">
+            <a:avLst/>
+          </a:prstGeom>
+        </p:spPr>
+      </p:pic>
+      <p:sp>
+        <p:nvSpPr>
+          <p:cNvPr id="17" name="Rectangle 16">
+            <a:extLst>
+              <a:ext uri="{FF2B5EF4-FFF2-40B4-BE49-F238E27FC236}">
+                <a16:creationId xmlns:a16="http://schemas.microsoft.com/office/drawing/2014/main" id="{87F0FDC4-AD8C-47D9-9131-623C98ADB0AE}"/>
+              </a:ext>
+              <a:ext uri="{C183D7F6-B498-43B3-948B-1728B52AA6E4}">
+                <adec:decorative xmlns:adec="http://schemas.microsoft.com/office/drawing/2017/decorative" val="1"/>
+              </a:ext>
+            </a:extLst>
+          </p:cNvPr>
+          <p:cNvSpPr>
+            <a:spLocks noGrp="1" noRot="1" noChangeAspect="1" noMove="1" noResize="1" noEditPoints="1" noAdjustHandles="1" noChangeArrowheads="1" noChangeShapeType="1" noTextEdit="1"/>
+          </p:cNvSpPr>
+          <p:nvPr>
+            <p:extLst>
+              <p:ext uri="{386F3935-93C4-4BCD-93E2-E3B085C9AB24}">
+                <p16:designElem xmlns:p16="http://schemas.microsoft.com/office/powerpoint/2015/main" val="1"/>
+              </p:ext>
+            </p:extLst>
+          </p:nvPr>
+        </p:nvSpPr>
+        <p:spPr>
+          <a:xfrm>
+            <a:off x="10437812" y="0"/>
+            <a:ext cx="685800" cy="1143000"/>
+          </a:xfrm>
+          <a:prstGeom prst="rect">
+            <a:avLst/>
+          </a:prstGeom>
+          <a:solidFill>
+            <a:schemeClr val="accent1"/>
+          </a:solidFill>
+          <a:ln>
+            <a:noFill/>
+          </a:ln>
+        </p:spPr>
+        <p:style>
+          <a:lnRef idx="1">
+            <a:schemeClr val="accent1"/>
+          </a:lnRef>
+          <a:fillRef idx="3">
+            <a:schemeClr val="accent1"/>
+          </a:fillRef>
+          <a:effectRef idx="2">
+            <a:schemeClr val="accent1"/>
+          </a:effectRef>
+          <a:fontRef idx="minor">
+            <a:schemeClr val="lt1"/>
+          </a:fontRef>
+        </p:style>
+        <p:txBody>
+          <a:bodyPr/>
+          <a:lstStyle/>
+          <a:p>
+            <a:endParaRPr lang="de-AT"/>
+          </a:p>
+        </p:txBody>
+      </p:sp>
+      <p:sp>
+        <p:nvSpPr>
+          <p:cNvPr id="19" name="Rectangle 18">
+            <a:extLst>
+              <a:ext uri="{FF2B5EF4-FFF2-40B4-BE49-F238E27FC236}">
+                <a16:creationId xmlns:a16="http://schemas.microsoft.com/office/drawing/2014/main" id="{DE27238C-8EAF-4098-86E6-7723B7DAE601}"/>
+              </a:ext>
+              <a:ext uri="{C183D7F6-B498-43B3-948B-1728B52AA6E4}">
+                <adec:decorative xmlns:adec="http://schemas.microsoft.com/office/drawing/2017/decorative" val="1"/>
+              </a:ext>
+            </a:extLst>
+          </p:cNvPr>
+          <p:cNvSpPr>
+            <a:spLocks noGrp="1" noRot="1" noChangeAspect="1" noMove="1" noResize="1" noEditPoints="1" noAdjustHandles="1" noChangeArrowheads="1" noChangeShapeType="1" noTextEdit="1"/>
+          </p:cNvSpPr>
+          <p:nvPr>
+            <p:extLst>
+              <p:ext uri="{386F3935-93C4-4BCD-93E2-E3B085C9AB24}">
+                <p16:designElem xmlns:p16="http://schemas.microsoft.com/office/powerpoint/2015/main" val="1"/>
+              </p:ext>
+            </p:extLst>
+          </p:nvPr>
+        </p:nvSpPr>
+        <p:spPr>
+          <a:xfrm>
+            <a:off x="1" y="0"/>
+            <a:ext cx="12192000" cy="6858000"/>
+          </a:xfrm>
+          <a:prstGeom prst="rect">
+            <a:avLst/>
+          </a:prstGeom>
+          <a:solidFill>
+            <a:schemeClr val="tx2"/>
+          </a:solidFill>
+          <a:ln>
+            <a:noFill/>
+          </a:ln>
+        </p:spPr>
+        <p:style>
+          <a:lnRef idx="2">
+            <a:schemeClr val="accent1">
+              <a:shade val="50000"/>
+            </a:schemeClr>
+          </a:lnRef>
+          <a:fillRef idx="1003">
+            <a:schemeClr val="dk2"/>
+          </a:fillRef>
+          <a:effectRef idx="0">
+            <a:schemeClr val="accent1"/>
+          </a:effectRef>
+          <a:fontRef idx="minor">
+            <a:schemeClr val="lt1"/>
+          </a:fontRef>
+        </p:style>
+        <p:txBody>
+          <a:bodyPr rtlCol="0" anchor="ctr"/>
+          <a:lstStyle/>
+          <a:p>
+            <a:pPr algn="ctr"/>
+            <a:endParaRPr lang="en-US"/>
+          </a:p>
+        </p:txBody>
+      </p:sp>
+      <p:sp>
+        <p:nvSpPr>
+          <p:cNvPr id="21" name="Freeform 36">
+            <a:extLst>
+              <a:ext uri="{FF2B5EF4-FFF2-40B4-BE49-F238E27FC236}">
+                <a16:creationId xmlns:a16="http://schemas.microsoft.com/office/drawing/2014/main" id="{992F97B1-1891-4FCC-9E5F-BA97EDB48F89}"/>
+              </a:ext>
+              <a:ext uri="{C183D7F6-B498-43B3-948B-1728B52AA6E4}">
+                <adec:decorative xmlns:adec="http://schemas.microsoft.com/office/drawing/2017/decorative" val="1"/>
+              </a:ext>
+            </a:extLst>
+          </p:cNvPr>
+          <p:cNvSpPr>
+            <a:spLocks noGrp="1" noRot="1" noChangeAspect="1" noMove="1" noResize="1" noEditPoints="1" noAdjustHandles="1" noChangeArrowheads="1" noChangeShapeType="1" noTextEdit="1"/>
+          </p:cNvSpPr>
+          <p:nvPr>
+            <p:extLst>
+              <p:ext uri="{386F3935-93C4-4BCD-93E2-E3B085C9AB24}">
+                <p16:designElem xmlns:p16="http://schemas.microsoft.com/office/powerpoint/2015/main" val="1"/>
+              </p:ext>
+            </p:extLst>
+          </p:nvPr>
+        </p:nvSpPr>
+        <p:spPr>
+          <a:xfrm flipH="1">
+            <a:off x="9351010" y="0"/>
+            <a:ext cx="559472" cy="3709642"/>
+          </a:xfrm>
+          <a:custGeom>
+            <a:avLst/>
+            <a:gdLst>
+              <a:gd name="connsiteX0" fmla="*/ 0 w 559472"/>
+              <a:gd name="connsiteY0" fmla="*/ 0 h 3709642"/>
+              <a:gd name="connsiteX1" fmla="*/ 473952 w 559472"/>
+              <a:gd name="connsiteY1" fmla="*/ 0 h 3709642"/>
+              <a:gd name="connsiteX2" fmla="*/ 485840 w 559472"/>
+              <a:gd name="connsiteY2" fmla="*/ 161194 h 3709642"/>
+              <a:gd name="connsiteX3" fmla="*/ 523949 w 559472"/>
+              <a:gd name="connsiteY3" fmla="*/ 3672197 h 3709642"/>
+              <a:gd name="connsiteX4" fmla="*/ 454748 w 559472"/>
+              <a:gd name="connsiteY4" fmla="*/ 3709642 h 3709642"/>
+              <a:gd name="connsiteX5" fmla="*/ 448224 w 559472"/>
+              <a:gd name="connsiteY5" fmla="*/ 3510471 h 3709642"/>
+              <a:gd name="connsiteX6" fmla="*/ 443564 w 559472"/>
+              <a:gd name="connsiteY6" fmla="*/ 3408563 h 3709642"/>
+              <a:gd name="connsiteX7" fmla="*/ 438902 w 559472"/>
+              <a:gd name="connsiteY7" fmla="*/ 3304407 h 3709642"/>
+              <a:gd name="connsiteX8" fmla="*/ 433941 w 559472"/>
+              <a:gd name="connsiteY8" fmla="*/ 3198777 h 3709642"/>
+              <a:gd name="connsiteX9" fmla="*/ 427584 w 559472"/>
+              <a:gd name="connsiteY9" fmla="*/ 3092510 h 3709642"/>
+              <a:gd name="connsiteX10" fmla="*/ 420988 w 559472"/>
+              <a:gd name="connsiteY10" fmla="*/ 2984390 h 3709642"/>
+              <a:gd name="connsiteX11" fmla="*/ 414330 w 559472"/>
+              <a:gd name="connsiteY11" fmla="*/ 2874401 h 3709642"/>
+              <a:gd name="connsiteX12" fmla="*/ 406840 w 559472"/>
+              <a:gd name="connsiteY12" fmla="*/ 2762980 h 3709642"/>
+              <a:gd name="connsiteX13" fmla="*/ 397745 w 559472"/>
+              <a:gd name="connsiteY13" fmla="*/ 2650566 h 3709642"/>
+              <a:gd name="connsiteX14" fmla="*/ 389154 w 559472"/>
+              <a:gd name="connsiteY14" fmla="*/ 2536612 h 3709642"/>
+              <a:gd name="connsiteX15" fmla="*/ 379225 w 559472"/>
+              <a:gd name="connsiteY15" fmla="*/ 2421642 h 3709642"/>
+              <a:gd name="connsiteX16" fmla="*/ 368316 w 559472"/>
+              <a:gd name="connsiteY16" fmla="*/ 2305627 h 3709642"/>
+              <a:gd name="connsiteX17" fmla="*/ 357466 w 559472"/>
+              <a:gd name="connsiteY17" fmla="*/ 2189233 h 3709642"/>
+              <a:gd name="connsiteX18" fmla="*/ 344982 w 559472"/>
+              <a:gd name="connsiteY18" fmla="*/ 2071473 h 3709642"/>
+              <a:gd name="connsiteX19" fmla="*/ 332466 w 559472"/>
+              <a:gd name="connsiteY19" fmla="*/ 1952216 h 3709642"/>
+              <a:gd name="connsiteX20" fmla="*/ 319121 w 559472"/>
+              <a:gd name="connsiteY20" fmla="*/ 1833776 h 3709642"/>
+              <a:gd name="connsiteX21" fmla="*/ 304408 w 559472"/>
+              <a:gd name="connsiteY21" fmla="*/ 1713948 h 3709642"/>
+              <a:gd name="connsiteX22" fmla="*/ 288685 w 559472"/>
+              <a:gd name="connsiteY22" fmla="*/ 1592703 h 3709642"/>
+              <a:gd name="connsiteX23" fmla="*/ 273050 w 559472"/>
+              <a:gd name="connsiteY23" fmla="*/ 1471451 h 3709642"/>
+              <a:gd name="connsiteX24" fmla="*/ 255813 w 559472"/>
+              <a:gd name="connsiteY24" fmla="*/ 1350328 h 3709642"/>
+              <a:gd name="connsiteX25" fmla="*/ 237060 w 559472"/>
+              <a:gd name="connsiteY25" fmla="*/ 1227080 h 3709642"/>
+              <a:gd name="connsiteX26" fmla="*/ 218488 w 559472"/>
+              <a:gd name="connsiteY26" fmla="*/ 1106065 h 3709642"/>
+              <a:gd name="connsiteX27" fmla="*/ 198221 w 559472"/>
+              <a:gd name="connsiteY27" fmla="*/ 982940 h 3709642"/>
+              <a:gd name="connsiteX28" fmla="*/ 177152 w 559472"/>
+              <a:gd name="connsiteY28" fmla="*/ 858755 h 3709642"/>
+              <a:gd name="connsiteX29" fmla="*/ 155551 w 559472"/>
+              <a:gd name="connsiteY29" fmla="*/ 736861 h 3709642"/>
+              <a:gd name="connsiteX30" fmla="*/ 131782 w 559472"/>
+              <a:gd name="connsiteY30" fmla="*/ 613645 h 3709642"/>
+              <a:gd name="connsiteX31" fmla="*/ 107123 w 559472"/>
+              <a:gd name="connsiteY31" fmla="*/ 490500 h 3709642"/>
+              <a:gd name="connsiteX32" fmla="*/ 82552 w 559472"/>
+              <a:gd name="connsiteY32" fmla="*/ 367348 h 3709642"/>
+              <a:gd name="connsiteX33" fmla="*/ 55608 w 559472"/>
+              <a:gd name="connsiteY33" fmla="*/ 244762 h 3709642"/>
+              <a:gd name="connsiteX34" fmla="*/ 28130 w 559472"/>
+              <a:gd name="connsiteY34" fmla="*/ 122220 h 3709642"/>
+              <a:gd name="connsiteX35" fmla="*/ 0 w 559472"/>
+              <a:gd name="connsiteY35" fmla="*/ 0 h 3709642"/>
+            </a:gdLst>
+            <a:ahLst/>
+            <a:cxnLst>
+              <a:cxn ang="0">
+                <a:pos x="connsiteX0" y="connsiteY0"/>
+              </a:cxn>
+              <a:cxn ang="0">
+                <a:pos x="connsiteX1" y="connsiteY1"/>
+              </a:cxn>
+              <a:cxn ang="0">
+                <a:pos x="connsiteX2" y="connsiteY2"/>
+              </a:cxn>
+              <a:cxn ang="0">
+                <a:pos x="connsiteX3" y="connsiteY3"/>
+              </a:cxn>
+              <a:cxn ang="0">
+                <a:pos x="connsiteX4" y="connsiteY4"/>
+              </a:cxn>
+              <a:cxn ang="0">
+                <a:pos x="connsiteX5" y="connsiteY5"/>
+              </a:cxn>
+              <a:cxn ang="0">
+                <a:pos x="connsiteX6" y="connsiteY6"/>
+              </a:cxn>
+              <a:cxn ang="0">
+                <a:pos x="connsiteX7" y="connsiteY7"/>
+              </a:cxn>
+              <a:cxn ang="0">
+                <a:pos x="connsiteX8" y="connsiteY8"/>
+              </a:cxn>
+              <a:cxn ang="0">
+                <a:pos x="connsiteX9" y="connsiteY9"/>
+              </a:cxn>
+              <a:cxn ang="0">
+                <a:pos x="connsiteX10" y="connsiteY10"/>
+              </a:cxn>
+              <a:cxn ang="0">
+                <a:pos x="connsiteX11" y="connsiteY11"/>
+              </a:cxn>
+              <a:cxn ang="0">
+                <a:pos x="connsiteX12" y="connsiteY12"/>
+              </a:cxn>
+              <a:cxn ang="0">
+                <a:pos x="connsiteX13" y="connsiteY13"/>
+              </a:cxn>
+              <a:cxn ang="0">
+                <a:pos x="connsiteX14" y="connsiteY14"/>
+              </a:cxn>
+              <a:cxn ang="0">
+                <a:pos x="connsiteX15" y="connsiteY15"/>
+              </a:cxn>
+              <a:cxn ang="0">
+                <a:pos x="connsiteX16" y="connsiteY16"/>
+              </a:cxn>
+              <a:cxn ang="0">
+                <a:pos x="connsiteX17" y="connsiteY17"/>
+              </a:cxn>
+              <a:cxn ang="0">
+                <a:pos x="connsiteX18" y="connsiteY18"/>
+              </a:cxn>
+              <a:cxn ang="0">
+                <a:pos x="connsiteX19" y="connsiteY19"/>
+              </a:cxn>
+              <a:cxn ang="0">
+                <a:pos x="connsiteX20" y="connsiteY20"/>
+              </a:cxn>
+              <a:cxn ang="0">
+                <a:pos x="connsiteX21" y="connsiteY21"/>
+              </a:cxn>
+              <a:cxn ang="0">
+                <a:pos x="connsiteX22" y="connsiteY22"/>
+              </a:cxn>
+              <a:cxn ang="0">
+                <a:pos x="connsiteX23" y="connsiteY23"/>
+              </a:cxn>
+              <a:cxn ang="0">
+                <a:pos x="connsiteX24" y="connsiteY24"/>
+              </a:cxn>
+              <a:cxn ang="0">
+                <a:pos x="connsiteX25" y="connsiteY25"/>
+              </a:cxn>
+              <a:cxn ang="0">
+                <a:pos x="connsiteX26" y="connsiteY26"/>
+              </a:cxn>
+              <a:cxn ang="0">
+                <a:pos x="connsiteX27" y="connsiteY27"/>
+              </a:cxn>
+              <a:cxn ang="0">
+                <a:pos x="connsiteX28" y="connsiteY28"/>
+              </a:cxn>
+              <a:cxn ang="0">
+                <a:pos x="connsiteX29" y="connsiteY29"/>
+              </a:cxn>
+              <a:cxn ang="0">
+                <a:pos x="connsiteX30" y="connsiteY30"/>
+              </a:cxn>
+              <a:cxn ang="0">
+                <a:pos x="connsiteX31" y="connsiteY31"/>
+              </a:cxn>
+              <a:cxn ang="0">
+                <a:pos x="connsiteX32" y="connsiteY32"/>
+              </a:cxn>
+              <a:cxn ang="0">
+                <a:pos x="connsiteX33" y="connsiteY33"/>
+              </a:cxn>
+              <a:cxn ang="0">
+                <a:pos x="connsiteX34" y="connsiteY34"/>
+              </a:cxn>
+              <a:cxn ang="0">
+                <a:pos x="connsiteX35" y="connsiteY35"/>
+              </a:cxn>
+            </a:cxnLst>
+            <a:rect l="l" t="t" r="r" b="b"/>
+            <a:pathLst>
+              <a:path w="559472" h="3709642">
+                <a:moveTo>
+                  <a:pt x="0" y="0"/>
+                </a:moveTo>
+                <a:lnTo>
+                  <a:pt x="473952" y="0"/>
+                </a:lnTo>
+                <a:lnTo>
+                  <a:pt x="485840" y="161194"/>
+                </a:lnTo>
+                <a:cubicBezTo>
+                  <a:pt x="552063" y="1147770"/>
+                  <a:pt x="592441" y="3086737"/>
+                  <a:pt x="523949" y="3672197"/>
+                </a:cubicBezTo>
+                <a:cubicBezTo>
+                  <a:pt x="500842" y="3684557"/>
+                  <a:pt x="477855" y="3697282"/>
+                  <a:pt x="454748" y="3709642"/>
+                </a:cubicBezTo>
+                <a:lnTo>
+                  <a:pt x="448224" y="3510471"/>
+                </a:lnTo>
+                <a:lnTo>
+                  <a:pt x="443564" y="3408563"/>
+                </a:lnTo>
+                <a:lnTo>
+                  <a:pt x="438902" y="3304407"/>
+                </a:lnTo>
+                <a:lnTo>
+                  <a:pt x="433941" y="3198777"/>
+                </a:lnTo>
+                <a:lnTo>
+                  <a:pt x="427584" y="3092510"/>
+                </a:lnTo>
+                <a:lnTo>
+                  <a:pt x="420988" y="2984390"/>
+                </a:lnTo>
+                <a:lnTo>
+                  <a:pt x="414330" y="2874401"/>
+                </a:lnTo>
+                <a:lnTo>
+                  <a:pt x="406840" y="2762980"/>
+                </a:lnTo>
+                <a:lnTo>
+                  <a:pt x="397745" y="2650566"/>
+                </a:lnTo>
+                <a:lnTo>
+                  <a:pt x="389154" y="2536612"/>
+                </a:lnTo>
+                <a:lnTo>
+                  <a:pt x="379225" y="2421642"/>
+                </a:lnTo>
+                <a:lnTo>
+                  <a:pt x="368316" y="2305627"/>
+                </a:lnTo>
+                <a:lnTo>
+                  <a:pt x="357466" y="2189233"/>
+                </a:lnTo>
+                <a:lnTo>
+                  <a:pt x="344982" y="2071473"/>
+                </a:lnTo>
+                <a:lnTo>
+                  <a:pt x="332466" y="1952216"/>
+                </a:lnTo>
+                <a:lnTo>
+                  <a:pt x="319121" y="1833776"/>
+                </a:lnTo>
+                <a:lnTo>
+                  <a:pt x="304408" y="1713948"/>
+                </a:lnTo>
+                <a:lnTo>
+                  <a:pt x="288685" y="1592703"/>
+                </a:lnTo>
+                <a:lnTo>
+                  <a:pt x="273050" y="1471451"/>
+                </a:lnTo>
+                <a:lnTo>
+                  <a:pt x="255813" y="1350328"/>
+                </a:lnTo>
+                <a:lnTo>
+                  <a:pt x="237060" y="1227080"/>
+                </a:lnTo>
+                <a:lnTo>
+                  <a:pt x="218488" y="1106065"/>
+                </a:lnTo>
+                <a:lnTo>
+                  <a:pt x="198221" y="982940"/>
+                </a:lnTo>
+                <a:lnTo>
+                  <a:pt x="177152" y="858755"/>
+                </a:lnTo>
+                <a:lnTo>
+                  <a:pt x="155551" y="736861"/>
+                </a:lnTo>
+                <a:lnTo>
+                  <a:pt x="131782" y="613645"/>
+                </a:lnTo>
+                <a:lnTo>
+                  <a:pt x="107123" y="490500"/>
+                </a:lnTo>
+                <a:lnTo>
+                  <a:pt x="82552" y="367348"/>
+                </a:lnTo>
+                <a:lnTo>
+                  <a:pt x="55608" y="244762"/>
+                </a:lnTo>
+                <a:lnTo>
+                  <a:pt x="28130" y="122220"/>
+                </a:lnTo>
+                <a:lnTo>
+                  <a:pt x="0" y="0"/>
+                </a:lnTo>
+                <a:close/>
+              </a:path>
+            </a:pathLst>
+          </a:custGeom>
+          <a:solidFill>
+            <a:schemeClr val="bg2">
+              <a:lumMod val="60000"/>
+              <a:lumOff val="40000"/>
+              <a:alpha val="20000"/>
+            </a:schemeClr>
+          </a:solidFill>
+          <a:ln>
+            <a:noFill/>
+          </a:ln>
+        </p:spPr>
+        <p:txBody>
+          <a:bodyPr rtlCol="0" anchor="ctr"/>
+          <a:lstStyle/>
+          <a:p>
+            <a:pPr algn="ctr"/>
+            <a:endParaRPr lang="en-US"/>
+          </a:p>
+        </p:txBody>
+      </p:sp>
+      <p:sp useBgFill="1">
+        <p:nvSpPr>
+          <p:cNvPr id="23" name="Freeform: Shape 22">
+            <a:extLst>
+              <a:ext uri="{FF2B5EF4-FFF2-40B4-BE49-F238E27FC236}">
+                <a16:creationId xmlns:a16="http://schemas.microsoft.com/office/drawing/2014/main" id="{78C6C821-FEE1-4EB6-9590-C021440C77DE}"/>
+              </a:ext>
+              <a:ext uri="{C183D7F6-B498-43B3-948B-1728B52AA6E4}">
+                <adec:decorative xmlns:adec="http://schemas.microsoft.com/office/drawing/2017/decorative" val="1"/>
+              </a:ext>
+            </a:extLst>
+          </p:cNvPr>
+          <p:cNvSpPr>
+            <a:spLocks noGrp="1" noRot="1" noChangeAspect="1" noMove="1" noResize="1" noEditPoints="1" noAdjustHandles="1" noChangeArrowheads="1" noChangeShapeType="1" noTextEdit="1"/>
+          </p:cNvSpPr>
+          <p:nvPr>
+            <p:extLst>
+              <p:ext uri="{386F3935-93C4-4BCD-93E2-E3B085C9AB24}">
+                <p16:designElem xmlns:p16="http://schemas.microsoft.com/office/powerpoint/2015/main" val="1"/>
+              </p:ext>
+            </p:extLst>
+          </p:nvPr>
+        </p:nvSpPr>
+        <p:spPr>
+          <a:xfrm>
+            <a:off x="-3175" y="0"/>
+            <a:ext cx="9700459" cy="6858001"/>
+          </a:xfrm>
+          <a:custGeom>
+            <a:avLst/>
+            <a:gdLst>
+              <a:gd name="connsiteX0" fmla="*/ 0 w 9700459"/>
+              <a:gd name="connsiteY0" fmla="*/ 0 h 6858001"/>
+              <a:gd name="connsiteX1" fmla="*/ 1323975 w 9700459"/>
+              <a:gd name="connsiteY1" fmla="*/ 0 h 6858001"/>
+              <a:gd name="connsiteX2" fmla="*/ 1517015 w 9700459"/>
+              <a:gd name="connsiteY2" fmla="*/ 0 h 6858001"/>
+              <a:gd name="connsiteX3" fmla="*/ 3241265 w 9700459"/>
+              <a:gd name="connsiteY3" fmla="*/ 0 h 6858001"/>
+              <a:gd name="connsiteX4" fmla="*/ 3241265 w 9700459"/>
+              <a:gd name="connsiteY4" fmla="*/ 1 h 6858001"/>
+              <a:gd name="connsiteX5" fmla="*/ 8355744 w 9700459"/>
+              <a:gd name="connsiteY5" fmla="*/ 1 h 6858001"/>
+              <a:gd name="connsiteX6" fmla="*/ 8355744 w 9700459"/>
+              <a:gd name="connsiteY6" fmla="*/ 0 h 6858001"/>
+              <a:gd name="connsiteX7" fmla="*/ 9699282 w 9700459"/>
+              <a:gd name="connsiteY7" fmla="*/ 0 h 6858001"/>
+              <a:gd name="connsiteX8" fmla="*/ 9674237 w 9700459"/>
+              <a:gd name="connsiteY8" fmla="*/ 155677 h 6858001"/>
+              <a:gd name="connsiteX9" fmla="*/ 9650368 w 9700459"/>
+              <a:gd name="connsiteY9" fmla="*/ 310668 h 6858001"/>
+              <a:gd name="connsiteX10" fmla="*/ 9627004 w 9700459"/>
+              <a:gd name="connsiteY10" fmla="*/ 466344 h 6858001"/>
+              <a:gd name="connsiteX11" fmla="*/ 9607001 w 9700459"/>
+              <a:gd name="connsiteY11" fmla="*/ 622707 h 6858001"/>
+              <a:gd name="connsiteX12" fmla="*/ 9586830 w 9700459"/>
+              <a:gd name="connsiteY12" fmla="*/ 778383 h 6858001"/>
+              <a:gd name="connsiteX13" fmla="*/ 9568004 w 9700459"/>
+              <a:gd name="connsiteY13" fmla="*/ 934746 h 6858001"/>
+              <a:gd name="connsiteX14" fmla="*/ 9551868 w 9700459"/>
+              <a:gd name="connsiteY14" fmla="*/ 1089051 h 6858001"/>
+              <a:gd name="connsiteX15" fmla="*/ 9536572 w 9700459"/>
+              <a:gd name="connsiteY15" fmla="*/ 1245413 h 6858001"/>
+              <a:gd name="connsiteX16" fmla="*/ 9522620 w 9700459"/>
+              <a:gd name="connsiteY16" fmla="*/ 1401090 h 6858001"/>
+              <a:gd name="connsiteX17" fmla="*/ 9510518 w 9700459"/>
+              <a:gd name="connsiteY17" fmla="*/ 1554023 h 6858001"/>
+              <a:gd name="connsiteX18" fmla="*/ 9498415 w 9700459"/>
+              <a:gd name="connsiteY18" fmla="*/ 1709014 h 6858001"/>
+              <a:gd name="connsiteX19" fmla="*/ 9488330 w 9700459"/>
+              <a:gd name="connsiteY19" fmla="*/ 1861947 h 6858001"/>
+              <a:gd name="connsiteX20" fmla="*/ 9480430 w 9700459"/>
+              <a:gd name="connsiteY20" fmla="*/ 2014881 h 6858001"/>
+              <a:gd name="connsiteX21" fmla="*/ 9472193 w 9700459"/>
+              <a:gd name="connsiteY21" fmla="*/ 2167128 h 6858001"/>
+              <a:gd name="connsiteX22" fmla="*/ 9465302 w 9700459"/>
+              <a:gd name="connsiteY22" fmla="*/ 2318004 h 6858001"/>
+              <a:gd name="connsiteX23" fmla="*/ 9460427 w 9700459"/>
+              <a:gd name="connsiteY23" fmla="*/ 2467509 h 6858001"/>
+              <a:gd name="connsiteX24" fmla="*/ 9456225 w 9700459"/>
+              <a:gd name="connsiteY24" fmla="*/ 2617013 h 6858001"/>
+              <a:gd name="connsiteX25" fmla="*/ 9452191 w 9700459"/>
+              <a:gd name="connsiteY25" fmla="*/ 2765146 h 6858001"/>
+              <a:gd name="connsiteX26" fmla="*/ 9450342 w 9700459"/>
+              <a:gd name="connsiteY26" fmla="*/ 2911221 h 6858001"/>
+              <a:gd name="connsiteX27" fmla="*/ 9448325 w 9700459"/>
+              <a:gd name="connsiteY27" fmla="*/ 3057297 h 6858001"/>
+              <a:gd name="connsiteX28" fmla="*/ 9447316 w 9700459"/>
+              <a:gd name="connsiteY28" fmla="*/ 3201315 h 6858001"/>
+              <a:gd name="connsiteX29" fmla="*/ 9448325 w 9700459"/>
+              <a:gd name="connsiteY29" fmla="*/ 3343961 h 6858001"/>
+              <a:gd name="connsiteX30" fmla="*/ 9448325 w 9700459"/>
+              <a:gd name="connsiteY30" fmla="*/ 3485236 h 6858001"/>
+              <a:gd name="connsiteX31" fmla="*/ 9450342 w 9700459"/>
+              <a:gd name="connsiteY31" fmla="*/ 3625139 h 6858001"/>
+              <a:gd name="connsiteX32" fmla="*/ 9453367 w 9700459"/>
+              <a:gd name="connsiteY32" fmla="*/ 3762299 h 6858001"/>
+              <a:gd name="connsiteX33" fmla="*/ 9456225 w 9700459"/>
+              <a:gd name="connsiteY33" fmla="*/ 3898087 h 6858001"/>
+              <a:gd name="connsiteX34" fmla="*/ 9459419 w 9700459"/>
+              <a:gd name="connsiteY34" fmla="*/ 4031133 h 6858001"/>
+              <a:gd name="connsiteX35" fmla="*/ 9464293 w 9700459"/>
+              <a:gd name="connsiteY35" fmla="*/ 4163492 h 6858001"/>
+              <a:gd name="connsiteX36" fmla="*/ 9469504 w 9700459"/>
+              <a:gd name="connsiteY36" fmla="*/ 4293793 h 6858001"/>
+              <a:gd name="connsiteX37" fmla="*/ 9474210 w 9700459"/>
+              <a:gd name="connsiteY37" fmla="*/ 4421352 h 6858001"/>
+              <a:gd name="connsiteX38" fmla="*/ 9487490 w 9700459"/>
+              <a:gd name="connsiteY38" fmla="*/ 4670298 h 6858001"/>
+              <a:gd name="connsiteX39" fmla="*/ 9501609 w 9700459"/>
+              <a:gd name="connsiteY39" fmla="*/ 4908956 h 6858001"/>
+              <a:gd name="connsiteX40" fmla="*/ 9516401 w 9700459"/>
+              <a:gd name="connsiteY40" fmla="*/ 5138013 h 6858001"/>
+              <a:gd name="connsiteX41" fmla="*/ 9532706 w 9700459"/>
+              <a:gd name="connsiteY41" fmla="*/ 5354726 h 6858001"/>
+              <a:gd name="connsiteX42" fmla="*/ 9549683 w 9700459"/>
+              <a:gd name="connsiteY42" fmla="*/ 5561838 h 6858001"/>
+              <a:gd name="connsiteX43" fmla="*/ 9568004 w 9700459"/>
+              <a:gd name="connsiteY43" fmla="*/ 5753862 h 6858001"/>
+              <a:gd name="connsiteX44" fmla="*/ 9585990 w 9700459"/>
+              <a:gd name="connsiteY44" fmla="*/ 5934227 h 6858001"/>
+              <a:gd name="connsiteX45" fmla="*/ 9603975 w 9700459"/>
+              <a:gd name="connsiteY45" fmla="*/ 6100191 h 6858001"/>
+              <a:gd name="connsiteX46" fmla="*/ 9620952 w 9700459"/>
+              <a:gd name="connsiteY46" fmla="*/ 6252438 h 6858001"/>
+              <a:gd name="connsiteX47" fmla="*/ 9637089 w 9700459"/>
+              <a:gd name="connsiteY47" fmla="*/ 6387541 h 6858001"/>
+              <a:gd name="connsiteX48" fmla="*/ 9652385 w 9700459"/>
+              <a:gd name="connsiteY48" fmla="*/ 6509613 h 6858001"/>
+              <a:gd name="connsiteX49" fmla="*/ 9665160 w 9700459"/>
+              <a:gd name="connsiteY49" fmla="*/ 6612483 h 6858001"/>
+              <a:gd name="connsiteX50" fmla="*/ 9677262 w 9700459"/>
+              <a:gd name="connsiteY50" fmla="*/ 6698894 h 6858001"/>
+              <a:gd name="connsiteX51" fmla="*/ 9694576 w 9700459"/>
+              <a:gd name="connsiteY51" fmla="*/ 6817538 h 6858001"/>
+              <a:gd name="connsiteX52" fmla="*/ 9700459 w 9700459"/>
+              <a:gd name="connsiteY52" fmla="*/ 6858000 h 6858001"/>
+              <a:gd name="connsiteX53" fmla="*/ 8795105 w 9700459"/>
+              <a:gd name="connsiteY53" fmla="*/ 6858000 h 6858001"/>
+              <a:gd name="connsiteX54" fmla="*/ 8795105 w 9700459"/>
+              <a:gd name="connsiteY54" fmla="*/ 6858001 h 6858001"/>
+              <a:gd name="connsiteX55" fmla="*/ 2704541 w 9700459"/>
+              <a:gd name="connsiteY55" fmla="*/ 6858001 h 6858001"/>
+              <a:gd name="connsiteX56" fmla="*/ 2704541 w 9700459"/>
+              <a:gd name="connsiteY56" fmla="*/ 6858000 h 6858001"/>
+              <a:gd name="connsiteX57" fmla="*/ 1517015 w 9700459"/>
+              <a:gd name="connsiteY57" fmla="*/ 6858000 h 6858001"/>
+              <a:gd name="connsiteX58" fmla="*/ 1323975 w 9700459"/>
+              <a:gd name="connsiteY58" fmla="*/ 6858000 h 6858001"/>
+              <a:gd name="connsiteX59" fmla="*/ 0 w 9700459"/>
+              <a:gd name="connsiteY59" fmla="*/ 6858000 h 6858001"/>
+            </a:gdLst>
+            <a:ahLst/>
+            <a:cxnLst>
+              <a:cxn ang="0">
+                <a:pos x="connsiteX0" y="connsiteY0"/>
+              </a:cxn>
+              <a:cxn ang="0">
+                <a:pos x="connsiteX1" y="connsiteY1"/>
+              </a:cxn>
+              <a:cxn ang="0">
+                <a:pos x="connsiteX2" y="connsiteY2"/>
+              </a:cxn>
+              <a:cxn ang="0">
+                <a:pos x="connsiteX3" y="connsiteY3"/>
+              </a:cxn>
+              <a:cxn ang="0">
+                <a:pos x="connsiteX4" y="connsiteY4"/>
+              </a:cxn>
+              <a:cxn ang="0">
+                <a:pos x="connsiteX5" y="connsiteY5"/>
+              </a:cxn>
+              <a:cxn ang="0">
+                <a:pos x="connsiteX6" y="connsiteY6"/>
+              </a:cxn>
+              <a:cxn ang="0">
+                <a:pos x="connsiteX7" y="connsiteY7"/>
+              </a:cxn>
+              <a:cxn ang="0">
+                <a:pos x="connsiteX8" y="connsiteY8"/>
+              </a:cxn>
+              <a:cxn ang="0">
+                <a:pos x="connsiteX9" y="connsiteY9"/>
+              </a:cxn>
+              <a:cxn ang="0">
+                <a:pos x="connsiteX10" y="connsiteY10"/>
+              </a:cxn>
+              <a:cxn ang="0">
+                <a:pos x="connsiteX11" y="connsiteY11"/>
+              </a:cxn>
+              <a:cxn ang="0">
+                <a:pos x="connsiteX12" y="connsiteY12"/>
+              </a:cxn>
+              <a:cxn ang="0">
+                <a:pos x="connsiteX13" y="connsiteY13"/>
+              </a:cxn>
+              <a:cxn ang="0">
+                <a:pos x="connsiteX14" y="connsiteY14"/>
+              </a:cxn>
+              <a:cxn ang="0">
+                <a:pos x="connsiteX15" y="connsiteY15"/>
+              </a:cxn>
+              <a:cxn ang="0">
+                <a:pos x="connsiteX16" y="connsiteY16"/>
+              </a:cxn>
+              <a:cxn ang="0">
+                <a:pos x="connsiteX17" y="connsiteY17"/>
+              </a:cxn>
+              <a:cxn ang="0">
+                <a:pos x="connsiteX18" y="connsiteY18"/>
+              </a:cxn>
+              <a:cxn ang="0">
+                <a:pos x="connsiteX19" y="connsiteY19"/>
+              </a:cxn>
+              <a:cxn ang="0">
+                <a:pos x="connsiteX20" y="connsiteY20"/>
+              </a:cxn>
+              <a:cxn ang="0">
+                <a:pos x="connsiteX21" y="connsiteY21"/>
+              </a:cxn>
+              <a:cxn ang="0">
+                <a:pos x="connsiteX22" y="connsiteY22"/>
+              </a:cxn>
+              <a:cxn ang="0">
+                <a:pos x="connsiteX23" y="connsiteY23"/>
+              </a:cxn>
+              <a:cxn ang="0">
+                <a:pos x="connsiteX24" y="connsiteY24"/>
+              </a:cxn>
+              <a:cxn ang="0">
+                <a:pos x="connsiteX25" y="connsiteY25"/>
+              </a:cxn>
+              <a:cxn ang="0">
+                <a:pos x="connsiteX26" y="connsiteY26"/>
+              </a:cxn>
+              <a:cxn ang="0">
+                <a:pos x="connsiteX27" y="connsiteY27"/>
+              </a:cxn>
+              <a:cxn ang="0">
+                <a:pos x="connsiteX28" y="connsiteY28"/>
+              </a:cxn>
+              <a:cxn ang="0">
+                <a:pos x="connsiteX29" y="connsiteY29"/>
+              </a:cxn>
+              <a:cxn ang="0">
+                <a:pos x="connsiteX30" y="connsiteY30"/>
+              </a:cxn>
+              <a:cxn ang="0">
+                <a:pos x="connsiteX31" y="connsiteY31"/>
+              </a:cxn>
+              <a:cxn ang="0">
+                <a:pos x="connsiteX32" y="connsiteY32"/>
+              </a:cxn>
+              <a:cxn ang="0">
+                <a:pos x="connsiteX33" y="connsiteY33"/>
+              </a:cxn>
+              <a:cxn ang="0">
+                <a:pos x="connsiteX34" y="connsiteY34"/>
+              </a:cxn>
+              <a:cxn ang="0">
+                <a:pos x="connsiteX35" y="connsiteY35"/>
+              </a:cxn>
+              <a:cxn ang="0">
+                <a:pos x="connsiteX36" y="connsiteY36"/>
+              </a:cxn>
+              <a:cxn ang="0">
+                <a:pos x="connsiteX37" y="connsiteY37"/>
+              </a:cxn>
+              <a:cxn ang="0">
+                <a:pos x="connsiteX38" y="connsiteY38"/>
+              </a:cxn>
+              <a:cxn ang="0">
+                <a:pos x="connsiteX39" y="connsiteY39"/>
+              </a:cxn>
+              <a:cxn ang="0">
+                <a:pos x="connsiteX40" y="connsiteY40"/>
+              </a:cxn>
+              <a:cxn ang="0">
+                <a:pos x="connsiteX41" y="connsiteY41"/>
+              </a:cxn>
+              <a:cxn ang="0">
+                <a:pos x="connsiteX42" y="connsiteY42"/>
+              </a:cxn>
+              <a:cxn ang="0">
+                <a:pos x="connsiteX43" y="connsiteY43"/>
+              </a:cxn>
+              <a:cxn ang="0">
+                <a:pos x="connsiteX44" y="connsiteY44"/>
+              </a:cxn>
+              <a:cxn ang="0">
+                <a:pos x="connsiteX45" y="connsiteY45"/>
+              </a:cxn>
+              <a:cxn ang="0">
+                <a:pos x="connsiteX46" y="connsiteY46"/>
+              </a:cxn>
+              <a:cxn ang="0">
+                <a:pos x="connsiteX47" y="connsiteY47"/>
+              </a:cxn>
+              <a:cxn ang="0">
+                <a:pos x="connsiteX48" y="connsiteY48"/>
+              </a:cxn>
+              <a:cxn ang="0">
+                <a:pos x="connsiteX49" y="connsiteY49"/>
+              </a:cxn>
+              <a:cxn ang="0">
+                <a:pos x="connsiteX50" y="connsiteY50"/>
+              </a:cxn>
+              <a:cxn ang="0">
+                <a:pos x="connsiteX51" y="connsiteY51"/>
+              </a:cxn>
+              <a:cxn ang="0">
+                <a:pos x="connsiteX52" y="connsiteY52"/>
+              </a:cxn>
+              <a:cxn ang="0">
+                <a:pos x="connsiteX53" y="connsiteY53"/>
+              </a:cxn>
+              <a:cxn ang="0">
+                <a:pos x="connsiteX54" y="connsiteY54"/>
+              </a:cxn>
+              <a:cxn ang="0">
+                <a:pos x="connsiteX55" y="connsiteY55"/>
+              </a:cxn>
+              <a:cxn ang="0">
+                <a:pos x="connsiteX56" y="connsiteY56"/>
+              </a:cxn>
+              <a:cxn ang="0">
+                <a:pos x="connsiteX57" y="connsiteY57"/>
+              </a:cxn>
+              <a:cxn ang="0">
+                <a:pos x="connsiteX58" y="connsiteY58"/>
+              </a:cxn>
+              <a:cxn ang="0">
+                <a:pos x="connsiteX59" y="connsiteY59"/>
+              </a:cxn>
+            </a:cxnLst>
+            <a:rect l="l" t="t" r="r" b="b"/>
+            <a:pathLst>
+              <a:path w="9700459" h="6858001">
+                <a:moveTo>
+                  <a:pt x="0" y="0"/>
+                </a:moveTo>
+                <a:lnTo>
+                  <a:pt x="1323975" y="0"/>
+                </a:lnTo>
+                <a:lnTo>
+                  <a:pt x="1517015" y="0"/>
+                </a:lnTo>
+                <a:lnTo>
+                  <a:pt x="3241265" y="0"/>
+                </a:lnTo>
+                <a:lnTo>
+                  <a:pt x="3241265" y="1"/>
+                </a:lnTo>
+                <a:lnTo>
+                  <a:pt x="8355744" y="1"/>
+                </a:lnTo>
+                <a:lnTo>
+                  <a:pt x="8355744" y="0"/>
+                </a:lnTo>
+                <a:lnTo>
+                  <a:pt x="9699282" y="0"/>
+                </a:lnTo>
+                <a:lnTo>
+                  <a:pt x="9674237" y="155677"/>
+                </a:lnTo>
+                <a:lnTo>
+                  <a:pt x="9650368" y="310668"/>
+                </a:lnTo>
+                <a:lnTo>
+                  <a:pt x="9627004" y="466344"/>
+                </a:lnTo>
+                <a:lnTo>
+                  <a:pt x="9607001" y="622707"/>
+                </a:lnTo>
+                <a:lnTo>
+                  <a:pt x="9586830" y="778383"/>
+                </a:lnTo>
+                <a:lnTo>
+                  <a:pt x="9568004" y="934746"/>
+                </a:lnTo>
+                <a:lnTo>
+                  <a:pt x="9551868" y="1089051"/>
+                </a:lnTo>
+                <a:lnTo>
+                  <a:pt x="9536572" y="1245413"/>
+                </a:lnTo>
+                <a:lnTo>
+                  <a:pt x="9522620" y="1401090"/>
+                </a:lnTo>
+                <a:lnTo>
+                  <a:pt x="9510518" y="1554023"/>
+                </a:lnTo>
+                <a:lnTo>
+                  <a:pt x="9498415" y="1709014"/>
+                </a:lnTo>
+                <a:lnTo>
+                  <a:pt x="9488330" y="1861947"/>
+                </a:lnTo>
+                <a:lnTo>
+                  <a:pt x="9480430" y="2014881"/>
+                </a:lnTo>
+                <a:lnTo>
+                  <a:pt x="9472193" y="2167128"/>
+                </a:lnTo>
+                <a:lnTo>
+                  <a:pt x="9465302" y="2318004"/>
+                </a:lnTo>
+                <a:lnTo>
+                  <a:pt x="9460427" y="2467509"/>
+                </a:lnTo>
+                <a:lnTo>
+                  <a:pt x="9456225" y="2617013"/>
+                </a:lnTo>
+                <a:lnTo>
+                  <a:pt x="9452191" y="2765146"/>
+                </a:lnTo>
+                <a:lnTo>
+                  <a:pt x="9450342" y="2911221"/>
+                </a:lnTo>
+                <a:lnTo>
+                  <a:pt x="9448325" y="3057297"/>
+                </a:lnTo>
+                <a:lnTo>
+                  <a:pt x="9447316" y="3201315"/>
+                </a:lnTo>
+                <a:lnTo>
+                  <a:pt x="9448325" y="3343961"/>
+                </a:lnTo>
+                <a:lnTo>
+                  <a:pt x="9448325" y="3485236"/>
+                </a:lnTo>
+                <a:lnTo>
+                  <a:pt x="9450342" y="3625139"/>
+                </a:lnTo>
+                <a:lnTo>
+                  <a:pt x="9453367" y="3762299"/>
+                </a:lnTo>
+                <a:lnTo>
+                  <a:pt x="9456225" y="3898087"/>
+                </a:lnTo>
+                <a:lnTo>
+                  <a:pt x="9459419" y="4031133"/>
+                </a:lnTo>
+                <a:lnTo>
+                  <a:pt x="9464293" y="4163492"/>
+                </a:lnTo>
+                <a:lnTo>
+                  <a:pt x="9469504" y="4293793"/>
+                </a:lnTo>
+                <a:lnTo>
+                  <a:pt x="9474210" y="4421352"/>
+                </a:lnTo>
+                <a:lnTo>
+                  <a:pt x="9487490" y="4670298"/>
+                </a:lnTo>
+                <a:lnTo>
+                  <a:pt x="9501609" y="4908956"/>
+                </a:lnTo>
+                <a:lnTo>
+                  <a:pt x="9516401" y="5138013"/>
+                </a:lnTo>
+                <a:lnTo>
+                  <a:pt x="9532706" y="5354726"/>
+                </a:lnTo>
+                <a:lnTo>
+                  <a:pt x="9549683" y="5561838"/>
+                </a:lnTo>
+                <a:lnTo>
+                  <a:pt x="9568004" y="5753862"/>
+                </a:lnTo>
+                <a:lnTo>
+                  <a:pt x="9585990" y="5934227"/>
+                </a:lnTo>
+                <a:lnTo>
+                  <a:pt x="9603975" y="6100191"/>
+                </a:lnTo>
+                <a:lnTo>
+                  <a:pt x="9620952" y="6252438"/>
+                </a:lnTo>
+                <a:lnTo>
+                  <a:pt x="9637089" y="6387541"/>
+                </a:lnTo>
+                <a:lnTo>
+                  <a:pt x="9652385" y="6509613"/>
+                </a:lnTo>
+                <a:lnTo>
+                  <a:pt x="9665160" y="6612483"/>
+                </a:lnTo>
+                <a:lnTo>
+                  <a:pt x="9677262" y="6698894"/>
+                </a:lnTo>
+                <a:lnTo>
+                  <a:pt x="9694576" y="6817538"/>
+                </a:lnTo>
+                <a:lnTo>
+                  <a:pt x="9700459" y="6858000"/>
+                </a:lnTo>
+                <a:lnTo>
+                  <a:pt x="8795105" y="6858000"/>
+                </a:lnTo>
+                <a:lnTo>
+                  <a:pt x="8795105" y="6858001"/>
+                </a:lnTo>
+                <a:lnTo>
+                  <a:pt x="2704541" y="6858001"/>
+                </a:lnTo>
+                <a:lnTo>
+                  <a:pt x="2704541" y="6858000"/>
+                </a:lnTo>
+                <a:lnTo>
+                  <a:pt x="1517015" y="6858000"/>
+                </a:lnTo>
+                <a:lnTo>
+                  <a:pt x="1323975" y="6858000"/>
+                </a:lnTo>
+                <a:lnTo>
+                  <a:pt x="0" y="6858000"/>
+                </a:lnTo>
+                <a:close/>
+              </a:path>
+            </a:pathLst>
+          </a:custGeom>
+          <a:ln>
+            <a:noFill/>
+          </a:ln>
+        </p:spPr>
+        <p:txBody>
+          <a:bodyPr rot="0" spcFirstLastPara="0" vertOverflow="overflow" horzOverflow="overflow" vert="horz" wrap="square" lIns="91440" tIns="45720" rIns="91440" bIns="45720" numCol="1" spcCol="0" rtlCol="0" fromWordArt="0" anchor="ctr" anchorCtr="0" forceAA="0" compatLnSpc="1">
+            <a:prstTxWarp prst="textNoShape">
+              <a:avLst/>
+            </a:prstTxWarp>
+            <a:noAutofit/>
+          </a:bodyPr>
+          <a:lstStyle/>
+          <a:p>
+            <a:pPr algn="ctr"/>
+            <a:endParaRPr lang="en-US">
+              <a:solidFill>
+                <a:schemeClr val="tx1"/>
+              </a:solidFill>
+            </a:endParaRPr>
+          </a:p>
+        </p:txBody>
+      </p:sp>
+      <p:sp>
+        <p:nvSpPr>
+          <p:cNvPr id="2" name="Titel 1">
+            <a:extLst>
+              <a:ext uri="{FF2B5EF4-FFF2-40B4-BE49-F238E27FC236}">
+                <a16:creationId xmlns:a16="http://schemas.microsoft.com/office/drawing/2014/main" id="{2B5AD507-A9DD-E450-D1B6-A993E7898458}"/>
+              </a:ext>
+            </a:extLst>
+          </p:cNvPr>
+          <p:cNvSpPr>
+            <a:spLocks noGrp="1"/>
+          </p:cNvSpPr>
+          <p:nvPr>
+            <p:ph type="title"/>
+          </p:nvPr>
+        </p:nvSpPr>
+        <p:spPr>
+          <a:xfrm>
+            <a:off x="1154955" y="1447800"/>
+            <a:ext cx="6974915" cy="3329581"/>
+          </a:xfrm>
+        </p:spPr>
+        <p:txBody>
+          <a:bodyPr vert="horz" lIns="91440" tIns="45720" rIns="91440" bIns="45720" rtlCol="0" anchor="b">
+            <a:normAutofit/>
+          </a:bodyPr>
+          <a:lstStyle/>
+          <a:p>
+            <a:r>
+              <a:rPr lang="en-US" sz="7200" b="0" i="0" kern="1200" dirty="0">
+                <a:solidFill>
+                  <a:schemeClr val="tx2"/>
+                </a:solidFill>
+                <a:latin typeface="+mj-lt"/>
+                <a:ea typeface="+mj-ea"/>
+                <a:cs typeface="+mj-cs"/>
+              </a:rPr>
+              <a:t>Demo</a:t>
+            </a:r>
+          </a:p>
+        </p:txBody>
+      </p:sp>
+      <p:sp>
+        <p:nvSpPr>
+          <p:cNvPr id="25" name="Rectangle 24">
+            <a:extLst>
+              <a:ext uri="{FF2B5EF4-FFF2-40B4-BE49-F238E27FC236}">
+                <a16:creationId xmlns:a16="http://schemas.microsoft.com/office/drawing/2014/main" id="{B61A74B3-E247-44D4-8C48-FAE8E2056401}"/>
+              </a:ext>
+              <a:ext uri="{C183D7F6-B498-43B3-948B-1728B52AA6E4}">
+                <adec:decorative xmlns:adec="http://schemas.microsoft.com/office/drawing/2017/decorative" val="1"/>
+              </a:ext>
+            </a:extLst>
+          </p:cNvPr>
+          <p:cNvSpPr>
+            <a:spLocks noGrp="1" noRot="1" noChangeAspect="1" noMove="1" noResize="1" noEditPoints="1" noAdjustHandles="1" noChangeArrowheads="1" noChangeShapeType="1" noTextEdit="1"/>
+          </p:cNvSpPr>
+          <p:nvPr>
+            <p:extLst>
+              <p:ext uri="{386F3935-93C4-4BCD-93E2-E3B085C9AB24}">
+                <p16:designElem xmlns:p16="http://schemas.microsoft.com/office/powerpoint/2015/main" val="1"/>
+              </p:ext>
+            </p:extLst>
+          </p:nvPr>
+        </p:nvSpPr>
+        <p:spPr>
+          <a:xfrm>
+            <a:off x="10437812" y="0"/>
+            <a:ext cx="685800" cy="1143000"/>
+          </a:xfrm>
+          <a:prstGeom prst="rect">
+            <a:avLst/>
+          </a:prstGeom>
+          <a:solidFill>
+            <a:schemeClr val="accent1"/>
+          </a:solidFill>
+          <a:ln>
+            <a:noFill/>
+          </a:ln>
+        </p:spPr>
+        <p:style>
+          <a:lnRef idx="1">
+            <a:schemeClr val="accent1"/>
+          </a:lnRef>
+          <a:fillRef idx="3">
+            <a:schemeClr val="accent1"/>
+          </a:fillRef>
+          <a:effectRef idx="2">
+            <a:schemeClr val="accent1"/>
+          </a:effectRef>
+          <a:fontRef idx="minor">
+            <a:schemeClr val="lt1"/>
+          </a:fontRef>
+        </p:style>
+        <p:txBody>
+          <a:bodyPr/>
+          <a:lstStyle/>
+          <a:p>
+            <a:endParaRPr lang="de-AT"/>
+          </a:p>
+        </p:txBody>
+      </p:sp>
+    </p:spTree>
+    <p:extLst>
+      <p:ext uri="{BB962C8B-B14F-4D97-AF65-F5344CB8AC3E}">
+        <p14:creationId xmlns:p14="http://schemas.microsoft.com/office/powerpoint/2010/main" val="2098011982"/>
+      </p:ext>
+    </p:extLst>
+  </p:cSld>
+  <p:clrMapOvr>
+    <a:overrideClrMapping bg1="lt1" tx1="dk1" bg2="lt2" tx2="dk2" accent1="accent1" accent2="accent2" accent3="accent3" accent4="accent4" accent5="accent5" accent6="accent6" hlink="hlink" folHlink="folHlink"/>
+  </p:clrMapOvr>
+</p:sld>
+</file>
+
+<file path=ppt/slides/slide3.xml><?xml version="1.0" encoding="utf-8"?>
+<p:sld xmlns:a="http://schemas.openxmlformats.org/drawingml/2006/main" xmlns:r="http://schemas.openxmlformats.org/officeDocument/2006/relationships" xmlns:p="http://schemas.openxmlformats.org/presentationml/2006/main">
+  <p:cSld>
+    <p:spTree>
+      <p:nvGrpSpPr>
+        <p:cNvPr id="1" name=""/>
+        <p:cNvGrpSpPr/>
+        <p:nvPr/>
+      </p:nvGrpSpPr>
+      <p:grpSpPr>
+        <a:xfrm>
+          <a:off x="0" y="0"/>
+          <a:ext cx="0" cy="0"/>
+          <a:chOff x="0" y="0"/>
+          <a:chExt cx="0" cy="0"/>
+        </a:xfrm>
+      </p:grpSpPr>
       <p:sp>
         <p:nvSpPr>
           <p:cNvPr id="2" name="Titel 1">
@@ -7434,9 +8886,10 @@
           <a:lstStyle/>
           <a:p>
             <a:r>
-              <a:rPr lang="de-AT" dirty="0"/>
+              <a:rPr lang="de-AT"/>
               <a:t>Programme</a:t>
             </a:r>
+            <a:endParaRPr lang="de-AT" dirty="0"/>
           </a:p>
         </p:txBody>
       </p:sp>
@@ -7502,7 +8955,7 @@
 </p:sld>
 </file>
 
-<file path=ppt/slides/slide3.xml><?xml version="1.0" encoding="utf-8"?>
+<file path=ppt/slides/slide4.xml><?xml version="1.0" encoding="utf-8"?>
 <p:sld xmlns:a="http://schemas.openxmlformats.org/drawingml/2006/main" xmlns:r="http://schemas.openxmlformats.org/officeDocument/2006/relationships" xmlns:p="http://schemas.openxmlformats.org/presentationml/2006/main">
   <p:cSld>
     <p:bg>
@@ -8877,7 +10330,7 @@
 </p:sld>
 </file>
 
-<file path=ppt/slides/slide4.xml><?xml version="1.0" encoding="utf-8"?>
+<file path=ppt/slides/slide5.xml><?xml version="1.0" encoding="utf-8"?>
 <p:sld xmlns:a="http://schemas.openxmlformats.org/drawingml/2006/main" xmlns:r="http://schemas.openxmlformats.org/officeDocument/2006/relationships" xmlns:p="http://schemas.openxmlformats.org/presentationml/2006/main">
   <p:cSld>
     <p:spTree>
@@ -9027,9 +10480,17 @@
 </p:sld>
 </file>
 
-<file path=ppt/slides/slide5.xml><?xml version="1.0" encoding="utf-8"?>
+<file path=ppt/slides/slide6.xml><?xml version="1.0" encoding="utf-8"?>
 <p:sld xmlns:a="http://schemas.openxmlformats.org/drawingml/2006/main" xmlns:r="http://schemas.openxmlformats.org/officeDocument/2006/relationships" xmlns:p="http://schemas.openxmlformats.org/presentationml/2006/main">
   <p:cSld>
+    <p:bg>
+      <p:bgPr>
+        <a:solidFill>
+          <a:schemeClr val="bg1"/>
+        </a:solidFill>
+        <a:effectLst/>
+      </p:bgPr>
+    </p:bg>
     <p:spTree>
       <p:nvGrpSpPr>
         <p:cNvPr id="1" name=""/>
@@ -9046,6 +10507,430 @@
       </p:grpSpPr>
       <p:sp>
         <p:nvSpPr>
+          <p:cNvPr id="4103" name="Rectangle 4102">
+            <a:extLst>
+              <a:ext uri="{FF2B5EF4-FFF2-40B4-BE49-F238E27FC236}">
+                <a16:creationId xmlns:a16="http://schemas.microsoft.com/office/drawing/2014/main" id="{F747F1B4-B831-4277-8AB0-32767F7EB7BF}"/>
+              </a:ext>
+              <a:ext uri="{C183D7F6-B498-43B3-948B-1728B52AA6E4}">
+                <adec:decorative xmlns:adec="http://schemas.microsoft.com/office/drawing/2017/decorative" val="1"/>
+              </a:ext>
+            </a:extLst>
+          </p:cNvPr>
+          <p:cNvSpPr>
+            <a:spLocks noGrp="1" noRot="1" noChangeAspect="1" noMove="1" noResize="1" noEditPoints="1" noAdjustHandles="1" noChangeArrowheads="1" noChangeShapeType="1" noTextEdit="1"/>
+          </p:cNvSpPr>
+          <p:nvPr>
+            <p:extLst>
+              <p:ext uri="{386F3935-93C4-4BCD-93E2-E3B085C9AB24}">
+                <p16:designElem xmlns:p16="http://schemas.microsoft.com/office/powerpoint/2015/main" val="1"/>
+              </p:ext>
+            </p:extLst>
+          </p:nvPr>
+        </p:nvSpPr>
+        <p:spPr>
+          <a:xfrm>
+            <a:off x="0" y="0"/>
+            <a:ext cx="12191999" cy="6858000"/>
+          </a:xfrm>
+          <a:prstGeom prst="rect">
+            <a:avLst/>
+          </a:prstGeom>
+          <a:ln>
+            <a:noFill/>
+          </a:ln>
+        </p:spPr>
+        <p:style>
+          <a:lnRef idx="2">
+            <a:schemeClr val="accent1">
+              <a:shade val="50000"/>
+            </a:schemeClr>
+          </a:lnRef>
+          <a:fillRef idx="1003">
+            <a:schemeClr val="dk2"/>
+          </a:fillRef>
+          <a:effectRef idx="0">
+            <a:schemeClr val="accent1"/>
+          </a:effectRef>
+          <a:fontRef idx="minor">
+            <a:schemeClr val="lt1"/>
+          </a:fontRef>
+        </p:style>
+        <p:txBody>
+          <a:bodyPr rtlCol="0" anchor="ctr"/>
+          <a:lstStyle/>
+          <a:p>
+            <a:pPr algn="ctr"/>
+            <a:endParaRPr lang="en-US"/>
+          </a:p>
+        </p:txBody>
+      </p:sp>
+      <p:sp>
+        <p:nvSpPr>
+          <p:cNvPr id="4105" name="Freeform 7">
+            <a:extLst>
+              <a:ext uri="{FF2B5EF4-FFF2-40B4-BE49-F238E27FC236}">
+                <a16:creationId xmlns:a16="http://schemas.microsoft.com/office/drawing/2014/main" id="{D80CFA21-AB7C-4BEB-9BFF-05764FBBF3C6}"/>
+              </a:ext>
+              <a:ext uri="{C183D7F6-B498-43B3-948B-1728B52AA6E4}">
+                <adec:decorative xmlns:adec="http://schemas.microsoft.com/office/drawing/2017/decorative" val="1"/>
+              </a:ext>
+            </a:extLst>
+          </p:cNvPr>
+          <p:cNvSpPr>
+            <a:spLocks noGrp="1" noRot="1" noChangeAspect="1" noMove="1" noResize="1" noEditPoints="1" noAdjustHandles="1" noChangeArrowheads="1" noChangeShapeType="1" noTextEdit="1"/>
+          </p:cNvSpPr>
+          <p:nvPr>
+            <p:extLst>
+              <p:ext uri="{386F3935-93C4-4BCD-93E2-E3B085C9AB24}">
+                <p16:designElem xmlns:p16="http://schemas.microsoft.com/office/powerpoint/2015/main" val="1"/>
+              </p:ext>
+            </p:extLst>
+          </p:nvPr>
+        </p:nvSpPr>
+        <p:spPr>
+          <a:xfrm>
+            <a:off x="8719939" y="1460230"/>
+            <a:ext cx="3472060" cy="825932"/>
+          </a:xfrm>
+          <a:custGeom>
+            <a:avLst/>
+            <a:gdLst>
+              <a:gd name="connsiteX0" fmla="*/ 3470310 w 3472060"/>
+              <a:gd name="connsiteY0" fmla="*/ 0 h 825932"/>
+              <a:gd name="connsiteX1" fmla="*/ 3472060 w 3472060"/>
+              <a:gd name="connsiteY1" fmla="*/ 12850 h 825932"/>
+              <a:gd name="connsiteX2" fmla="*/ 3472060 w 3472060"/>
+              <a:gd name="connsiteY2" fmla="*/ 480529 h 825932"/>
+              <a:gd name="connsiteX3" fmla="*/ 3363699 w 3472060"/>
+              <a:gd name="connsiteY3" fmla="*/ 498471 h 825932"/>
+              <a:gd name="connsiteX4" fmla="*/ 42060 w 3472060"/>
+              <a:gd name="connsiteY4" fmla="*/ 824486 h 825932"/>
+              <a:gd name="connsiteX5" fmla="*/ 0 w 3472060"/>
+              <a:gd name="connsiteY5" fmla="*/ 758452 h 825932"/>
+              <a:gd name="connsiteX6" fmla="*/ 188014 w 3472060"/>
+              <a:gd name="connsiteY6" fmla="*/ 735602 h 825932"/>
+              <a:gd name="connsiteX7" fmla="*/ 284087 w 3472060"/>
+              <a:gd name="connsiteY7" fmla="*/ 722590 h 825932"/>
+              <a:gd name="connsiteX8" fmla="*/ 382288 w 3472060"/>
+              <a:gd name="connsiteY8" fmla="*/ 709392 h 825932"/>
+              <a:gd name="connsiteX9" fmla="*/ 481858 w 3472060"/>
+              <a:gd name="connsiteY9" fmla="*/ 695774 h 825932"/>
+              <a:gd name="connsiteX10" fmla="*/ 581897 w 3472060"/>
+              <a:gd name="connsiteY10" fmla="*/ 680711 h 825932"/>
+              <a:gd name="connsiteX11" fmla="*/ 683670 w 3472060"/>
+              <a:gd name="connsiteY11" fmla="*/ 665256 h 825932"/>
+              <a:gd name="connsiteX12" fmla="*/ 787206 w 3472060"/>
+              <a:gd name="connsiteY12" fmla="*/ 649587 h 825932"/>
+              <a:gd name="connsiteX13" fmla="*/ 892019 w 3472060"/>
+              <a:gd name="connsiteY13" fmla="*/ 632968 h 825932"/>
+              <a:gd name="connsiteX14" fmla="*/ 997620 w 3472060"/>
+              <a:gd name="connsiteY14" fmla="*/ 614667 h 825932"/>
+              <a:gd name="connsiteX15" fmla="*/ 1104727 w 3472060"/>
+              <a:gd name="connsiteY15" fmla="*/ 596741 h 825932"/>
+              <a:gd name="connsiteX16" fmla="*/ 1212669 w 3472060"/>
+              <a:gd name="connsiteY16" fmla="*/ 577397 h 825932"/>
+              <a:gd name="connsiteX17" fmla="*/ 1321506 w 3472060"/>
+              <a:gd name="connsiteY17" fmla="*/ 556988 h 825932"/>
+              <a:gd name="connsiteX18" fmla="*/ 1430709 w 3472060"/>
+              <a:gd name="connsiteY18" fmla="*/ 536607 h 825932"/>
+              <a:gd name="connsiteX19" fmla="*/ 1541050 w 3472060"/>
+              <a:gd name="connsiteY19" fmla="*/ 514481 h 825932"/>
+              <a:gd name="connsiteX20" fmla="*/ 1652805 w 3472060"/>
+              <a:gd name="connsiteY20" fmla="*/ 492202 h 825932"/>
+              <a:gd name="connsiteX21" fmla="*/ 1763708 w 3472060"/>
+              <a:gd name="connsiteY21" fmla="*/ 469161 h 825932"/>
+              <a:gd name="connsiteX22" fmla="*/ 1875795 w 3472060"/>
+              <a:gd name="connsiteY22" fmla="*/ 444641 h 825932"/>
+              <a:gd name="connsiteX23" fmla="*/ 1989128 w 3472060"/>
+              <a:gd name="connsiteY23" fmla="*/ 418995 h 825932"/>
+              <a:gd name="connsiteX24" fmla="*/ 2102476 w 3472060"/>
+              <a:gd name="connsiteY24" fmla="*/ 393438 h 825932"/>
+              <a:gd name="connsiteX25" fmla="*/ 2215549 w 3472060"/>
+              <a:gd name="connsiteY25" fmla="*/ 366291 h 825932"/>
+              <a:gd name="connsiteX26" fmla="*/ 2330490 w 3472060"/>
+              <a:gd name="connsiteY26" fmla="*/ 337455 h 825932"/>
+              <a:gd name="connsiteX27" fmla="*/ 2443333 w 3472060"/>
+              <a:gd name="connsiteY27" fmla="*/ 308983 h 825932"/>
+              <a:gd name="connsiteX28" fmla="*/ 2558014 w 3472060"/>
+              <a:gd name="connsiteY28" fmla="*/ 278646 h 825932"/>
+              <a:gd name="connsiteX29" fmla="*/ 2673621 w 3472060"/>
+              <a:gd name="connsiteY29" fmla="*/ 247421 h 825932"/>
+              <a:gd name="connsiteX30" fmla="*/ 2787008 w 3472060"/>
+              <a:gd name="connsiteY30" fmla="*/ 215853 h 825932"/>
+              <a:gd name="connsiteX31" fmla="*/ 2901442 w 3472060"/>
+              <a:gd name="connsiteY31" fmla="*/ 182011 h 825932"/>
+              <a:gd name="connsiteX32" fmla="*/ 3015722 w 3472060"/>
+              <a:gd name="connsiteY32" fmla="*/ 147286 h 825932"/>
+              <a:gd name="connsiteX33" fmla="*/ 3130018 w 3472060"/>
+              <a:gd name="connsiteY33" fmla="*/ 112649 h 825932"/>
+              <a:gd name="connsiteX34" fmla="*/ 3243551 w 3472060"/>
+              <a:gd name="connsiteY34" fmla="*/ 75688 h 825932"/>
+              <a:gd name="connsiteX35" fmla="*/ 3356992 w 3472060"/>
+              <a:gd name="connsiteY35" fmla="*/ 38197 h 825932"/>
+              <a:gd name="connsiteX36" fmla="*/ 3470310 w 3472060"/>
+              <a:gd name="connsiteY36" fmla="*/ 0 h 825932"/>
+            </a:gdLst>
+            <a:ahLst/>
+            <a:cxnLst>
+              <a:cxn ang="0">
+                <a:pos x="connsiteX0" y="connsiteY0"/>
+              </a:cxn>
+              <a:cxn ang="0">
+                <a:pos x="connsiteX1" y="connsiteY1"/>
+              </a:cxn>
+              <a:cxn ang="0">
+                <a:pos x="connsiteX2" y="connsiteY2"/>
+              </a:cxn>
+              <a:cxn ang="0">
+                <a:pos x="connsiteX3" y="connsiteY3"/>
+              </a:cxn>
+              <a:cxn ang="0">
+                <a:pos x="connsiteX4" y="connsiteY4"/>
+              </a:cxn>
+              <a:cxn ang="0">
+                <a:pos x="connsiteX5" y="connsiteY5"/>
+              </a:cxn>
+              <a:cxn ang="0">
+                <a:pos x="connsiteX6" y="connsiteY6"/>
+              </a:cxn>
+              <a:cxn ang="0">
+                <a:pos x="connsiteX7" y="connsiteY7"/>
+              </a:cxn>
+              <a:cxn ang="0">
+                <a:pos x="connsiteX8" y="connsiteY8"/>
+              </a:cxn>
+              <a:cxn ang="0">
+                <a:pos x="connsiteX9" y="connsiteY9"/>
+              </a:cxn>
+              <a:cxn ang="0">
+                <a:pos x="connsiteX10" y="connsiteY10"/>
+              </a:cxn>
+              <a:cxn ang="0">
+                <a:pos x="connsiteX11" y="connsiteY11"/>
+              </a:cxn>
+              <a:cxn ang="0">
+                <a:pos x="connsiteX12" y="connsiteY12"/>
+              </a:cxn>
+              <a:cxn ang="0">
+                <a:pos x="connsiteX13" y="connsiteY13"/>
+              </a:cxn>
+              <a:cxn ang="0">
+                <a:pos x="connsiteX14" y="connsiteY14"/>
+              </a:cxn>
+              <a:cxn ang="0">
+                <a:pos x="connsiteX15" y="connsiteY15"/>
+              </a:cxn>
+              <a:cxn ang="0">
+                <a:pos x="connsiteX16" y="connsiteY16"/>
+              </a:cxn>
+              <a:cxn ang="0">
+                <a:pos x="connsiteX17" y="connsiteY17"/>
+              </a:cxn>
+              <a:cxn ang="0">
+                <a:pos x="connsiteX18" y="connsiteY18"/>
+              </a:cxn>
+              <a:cxn ang="0">
+                <a:pos x="connsiteX19" y="connsiteY19"/>
+              </a:cxn>
+              <a:cxn ang="0">
+                <a:pos x="connsiteX20" y="connsiteY20"/>
+              </a:cxn>
+              <a:cxn ang="0">
+                <a:pos x="connsiteX21" y="connsiteY21"/>
+              </a:cxn>
+              <a:cxn ang="0">
+                <a:pos x="connsiteX22" y="connsiteY22"/>
+              </a:cxn>
+              <a:cxn ang="0">
+                <a:pos x="connsiteX23" y="connsiteY23"/>
+              </a:cxn>
+              <a:cxn ang="0">
+                <a:pos x="connsiteX24" y="connsiteY24"/>
+              </a:cxn>
+              <a:cxn ang="0">
+                <a:pos x="connsiteX25" y="connsiteY25"/>
+              </a:cxn>
+              <a:cxn ang="0">
+                <a:pos x="connsiteX26" y="connsiteY26"/>
+              </a:cxn>
+              <a:cxn ang="0">
+                <a:pos x="connsiteX27" y="connsiteY27"/>
+              </a:cxn>
+              <a:cxn ang="0">
+                <a:pos x="connsiteX28" y="connsiteY28"/>
+              </a:cxn>
+              <a:cxn ang="0">
+                <a:pos x="connsiteX29" y="connsiteY29"/>
+              </a:cxn>
+              <a:cxn ang="0">
+                <a:pos x="connsiteX30" y="connsiteY30"/>
+              </a:cxn>
+              <a:cxn ang="0">
+                <a:pos x="connsiteX31" y="connsiteY31"/>
+              </a:cxn>
+              <a:cxn ang="0">
+                <a:pos x="connsiteX32" y="connsiteY32"/>
+              </a:cxn>
+              <a:cxn ang="0">
+                <a:pos x="connsiteX33" y="connsiteY33"/>
+              </a:cxn>
+              <a:cxn ang="0">
+                <a:pos x="connsiteX34" y="connsiteY34"/>
+              </a:cxn>
+              <a:cxn ang="0">
+                <a:pos x="connsiteX35" y="connsiteY35"/>
+              </a:cxn>
+              <a:cxn ang="0">
+                <a:pos x="connsiteX36" y="connsiteY36"/>
+              </a:cxn>
+            </a:cxnLst>
+            <a:rect l="l" t="t" r="r" b="b"/>
+            <a:pathLst>
+              <a:path w="3472060" h="825932">
+                <a:moveTo>
+                  <a:pt x="3470310" y="0"/>
+                </a:moveTo>
+                <a:lnTo>
+                  <a:pt x="3472060" y="12850"/>
+                </a:lnTo>
+                <a:lnTo>
+                  <a:pt x="3472060" y="480529"/>
+                </a:lnTo>
+                <a:lnTo>
+                  <a:pt x="3363699" y="498471"/>
+                </a:lnTo>
+                <a:cubicBezTo>
+                  <a:pt x="2435623" y="645518"/>
+                  <a:pt x="603076" y="844866"/>
+                  <a:pt x="42060" y="824486"/>
+                </a:cubicBezTo>
+                <a:cubicBezTo>
+                  <a:pt x="28151" y="802425"/>
+                  <a:pt x="13909" y="780513"/>
+                  <a:pt x="0" y="758452"/>
+                </a:cubicBezTo>
+                <a:lnTo>
+                  <a:pt x="188014" y="735602"/>
+                </a:lnTo>
+                <a:lnTo>
+                  <a:pt x="284087" y="722590"/>
+                </a:lnTo>
+                <a:lnTo>
+                  <a:pt x="382288" y="709392"/>
+                </a:lnTo>
+                <a:lnTo>
+                  <a:pt x="481858" y="695774"/>
+                </a:lnTo>
+                <a:lnTo>
+                  <a:pt x="581897" y="680711"/>
+                </a:lnTo>
+                <a:lnTo>
+                  <a:pt x="683670" y="665256"/>
+                </a:lnTo>
+                <a:lnTo>
+                  <a:pt x="787206" y="649587"/>
+                </a:lnTo>
+                <a:lnTo>
+                  <a:pt x="892019" y="632968"/>
+                </a:lnTo>
+                <a:lnTo>
+                  <a:pt x="997620" y="614667"/>
+                </a:lnTo>
+                <a:lnTo>
+                  <a:pt x="1104727" y="596741"/>
+                </a:lnTo>
+                <a:lnTo>
+                  <a:pt x="1212669" y="577397"/>
+                </a:lnTo>
+                <a:lnTo>
+                  <a:pt x="1321506" y="556988"/>
+                </a:lnTo>
+                <a:lnTo>
+                  <a:pt x="1430709" y="536607"/>
+                </a:lnTo>
+                <a:lnTo>
+                  <a:pt x="1541050" y="514481"/>
+                </a:lnTo>
+                <a:lnTo>
+                  <a:pt x="1652805" y="492202"/>
+                </a:lnTo>
+                <a:lnTo>
+                  <a:pt x="1763708" y="469161"/>
+                </a:lnTo>
+                <a:lnTo>
+                  <a:pt x="1875795" y="444641"/>
+                </a:lnTo>
+                <a:lnTo>
+                  <a:pt x="1989128" y="418995"/>
+                </a:lnTo>
+                <a:lnTo>
+                  <a:pt x="2102476" y="393438"/>
+                </a:lnTo>
+                <a:lnTo>
+                  <a:pt x="2215549" y="366291"/>
+                </a:lnTo>
+                <a:lnTo>
+                  <a:pt x="2330490" y="337455"/>
+                </a:lnTo>
+                <a:lnTo>
+                  <a:pt x="2443333" y="308983"/>
+                </a:lnTo>
+                <a:lnTo>
+                  <a:pt x="2558014" y="278646"/>
+                </a:lnTo>
+                <a:lnTo>
+                  <a:pt x="2673621" y="247421"/>
+                </a:lnTo>
+                <a:lnTo>
+                  <a:pt x="2787008" y="215853"/>
+                </a:lnTo>
+                <a:lnTo>
+                  <a:pt x="2901442" y="182011"/>
+                </a:lnTo>
+                <a:lnTo>
+                  <a:pt x="3015722" y="147286"/>
+                </a:lnTo>
+                <a:lnTo>
+                  <a:pt x="3130018" y="112649"/>
+                </a:lnTo>
+                <a:lnTo>
+                  <a:pt x="3243551" y="75688"/>
+                </a:lnTo>
+                <a:lnTo>
+                  <a:pt x="3356992" y="38197"/>
+                </a:lnTo>
+                <a:lnTo>
+                  <a:pt x="3470310" y="0"/>
+                </a:lnTo>
+                <a:close/>
+              </a:path>
+            </a:pathLst>
+          </a:custGeom>
+          <a:solidFill>
+            <a:schemeClr val="bg1">
+              <a:alpha val="20000"/>
+            </a:schemeClr>
+          </a:solidFill>
+          <a:ln>
+            <a:noFill/>
+          </a:ln>
+        </p:spPr>
+        <p:txBody>
+          <a:bodyPr rtlCol="0" anchor="ctr"/>
+          <a:lstStyle/>
+          <a:p>
+            <a:pPr algn="ctr"/>
+            <a:endParaRPr lang="en-US">
+              <a:solidFill>
+                <a:schemeClr val="tx1"/>
+              </a:solidFill>
+            </a:endParaRPr>
+          </a:p>
+        </p:txBody>
+      </p:sp>
+      <p:sp>
+        <p:nvSpPr>
           <p:cNvPr id="2" name="Titel 1">
             <a:extLst>
               <a:ext uri="{FF2B5EF4-FFF2-40B4-BE49-F238E27FC236}">
@@ -9060,15 +10945,591 @@
             <p:ph type="title"/>
           </p:nvPr>
         </p:nvSpPr>
-        <p:spPr/>
+        <p:spPr>
+          <a:xfrm>
+            <a:off x="648930" y="629267"/>
+            <a:ext cx="9252154" cy="1016654"/>
+          </a:xfrm>
+        </p:spPr>
+        <p:txBody>
+          <a:bodyPr>
+            <a:normAutofit/>
+          </a:bodyPr>
+          <a:lstStyle/>
+          <a:p>
+            <a:r>
+              <a:rPr lang="de-AT">
+                <a:solidFill>
+                  <a:srgbClr val="EBEBEB"/>
+                </a:solidFill>
+              </a:rPr>
+              <a:t>Langsam Anlauf / Verbesserung</a:t>
+            </a:r>
+          </a:p>
+        </p:txBody>
+      </p:sp>
+      <p:sp>
+        <p:nvSpPr>
+          <p:cNvPr id="4107" name="Rectangle 4106">
+            <a:extLst>
+              <a:ext uri="{FF2B5EF4-FFF2-40B4-BE49-F238E27FC236}">
+                <a16:creationId xmlns:a16="http://schemas.microsoft.com/office/drawing/2014/main" id="{12F7E335-851A-4CAE-B09F-E657819D4600}"/>
+              </a:ext>
+              <a:ext uri="{C183D7F6-B498-43B3-948B-1728B52AA6E4}">
+                <adec:decorative xmlns:adec="http://schemas.microsoft.com/office/drawing/2017/decorative" val="1"/>
+              </a:ext>
+            </a:extLst>
+          </p:cNvPr>
+          <p:cNvSpPr>
+            <a:spLocks noGrp="1" noRot="1" noChangeAspect="1" noMove="1" noResize="1" noEditPoints="1" noAdjustHandles="1" noChangeArrowheads="1" noChangeShapeType="1" noTextEdit="1"/>
+          </p:cNvSpPr>
+          <p:nvPr>
+            <p:extLst>
+              <p:ext uri="{386F3935-93C4-4BCD-93E2-E3B085C9AB24}">
+                <p16:designElem xmlns:p16="http://schemas.microsoft.com/office/powerpoint/2015/main" val="1"/>
+              </p:ext>
+            </p:extLst>
+          </p:nvPr>
+        </p:nvSpPr>
+        <p:spPr>
+          <a:xfrm>
+            <a:off x="10437812" y="0"/>
+            <a:ext cx="685800" cy="1143000"/>
+          </a:xfrm>
+          <a:prstGeom prst="rect">
+            <a:avLst/>
+          </a:prstGeom>
+          <a:solidFill>
+            <a:schemeClr val="accent1"/>
+          </a:solidFill>
+          <a:ln>
+            <a:noFill/>
+          </a:ln>
+        </p:spPr>
+        <p:style>
+          <a:lnRef idx="1">
+            <a:schemeClr val="accent1"/>
+          </a:lnRef>
+          <a:fillRef idx="3">
+            <a:schemeClr val="accent1"/>
+          </a:fillRef>
+          <a:effectRef idx="2">
+            <a:schemeClr val="accent1"/>
+          </a:effectRef>
+          <a:fontRef idx="minor">
+            <a:schemeClr val="lt1"/>
+          </a:fontRef>
+        </p:style>
         <p:txBody>
           <a:bodyPr/>
           <a:lstStyle/>
           <a:p>
-            <a:r>
-              <a:rPr lang="de-AT" dirty="0"/>
-              <a:t>Langsam Anlauf / Verbesserung</a:t>
-            </a:r>
+            <a:endParaRPr lang="de-AT"/>
+          </a:p>
+        </p:txBody>
+      </p:sp>
+      <p:sp>
+        <p:nvSpPr>
+          <p:cNvPr id="4109" name="Freeform: Shape 4108">
+            <a:extLst>
+              <a:ext uri="{FF2B5EF4-FFF2-40B4-BE49-F238E27FC236}">
+                <a16:creationId xmlns:a16="http://schemas.microsoft.com/office/drawing/2014/main" id="{10B541F0-7F6E-402E-84D8-CF96EACA5FBC}"/>
+              </a:ext>
+              <a:ext uri="{C183D7F6-B498-43B3-948B-1728B52AA6E4}">
+                <adec:decorative xmlns:adec="http://schemas.microsoft.com/office/drawing/2017/decorative" val="1"/>
+              </a:ext>
+            </a:extLst>
+          </p:cNvPr>
+          <p:cNvSpPr>
+            <a:spLocks noGrp="1" noRot="1" noChangeAspect="1" noMove="1" noResize="1" noEditPoints="1" noAdjustHandles="1" noChangeArrowheads="1" noChangeShapeType="1" noTextEdit="1"/>
+          </p:cNvSpPr>
+          <p:nvPr>
+            <p:extLst>
+              <p:ext uri="{386F3935-93C4-4BCD-93E2-E3B085C9AB24}">
+                <p16:designElem xmlns:p16="http://schemas.microsoft.com/office/powerpoint/2015/main" val="1"/>
+              </p:ext>
+            </p:extLst>
+          </p:nvPr>
+        </p:nvSpPr>
+        <p:spPr bwMode="gray">
+          <a:xfrm>
+            <a:off x="-1" y="1762067"/>
+            <a:ext cx="12192418" cy="5095933"/>
+          </a:xfrm>
+          <a:custGeom>
+            <a:avLst/>
+            <a:gdLst>
+              <a:gd name="connsiteX0" fmla="*/ 1 w 12192418"/>
+              <a:gd name="connsiteY0" fmla="*/ 0 h 5095933"/>
+              <a:gd name="connsiteX1" fmla="*/ 71932 w 12192418"/>
+              <a:gd name="connsiteY1" fmla="*/ 12261 h 5095933"/>
+              <a:gd name="connsiteX2" fmla="*/ 282849 w 12192418"/>
+              <a:gd name="connsiteY2" fmla="*/ 48343 h 5095933"/>
+              <a:gd name="connsiteX3" fmla="*/ 436464 w 12192418"/>
+              <a:gd name="connsiteY3" fmla="*/ 73565 h 5095933"/>
+              <a:gd name="connsiteX4" fmla="*/ 619339 w 12192418"/>
+              <a:gd name="connsiteY4" fmla="*/ 100188 h 5095933"/>
+              <a:gd name="connsiteX5" fmla="*/ 836351 w 12192418"/>
+              <a:gd name="connsiteY5" fmla="*/ 132066 h 5095933"/>
+              <a:gd name="connsiteX6" fmla="*/ 1076528 w 12192418"/>
+              <a:gd name="connsiteY6" fmla="*/ 165696 h 5095933"/>
+              <a:gd name="connsiteX7" fmla="*/ 1347184 w 12192418"/>
+              <a:gd name="connsiteY7" fmla="*/ 201077 h 5095933"/>
+              <a:gd name="connsiteX8" fmla="*/ 1642223 w 12192418"/>
+              <a:gd name="connsiteY8" fmla="*/ 238560 h 5095933"/>
+              <a:gd name="connsiteX9" fmla="*/ 1962864 w 12192418"/>
+              <a:gd name="connsiteY9" fmla="*/ 276043 h 5095933"/>
+              <a:gd name="connsiteX10" fmla="*/ 2304232 w 12192418"/>
+              <a:gd name="connsiteY10" fmla="*/ 314227 h 5095933"/>
+              <a:gd name="connsiteX11" fmla="*/ 2672421 w 12192418"/>
+              <a:gd name="connsiteY11" fmla="*/ 349608 h 5095933"/>
+              <a:gd name="connsiteX12" fmla="*/ 3057678 w 12192418"/>
+              <a:gd name="connsiteY12" fmla="*/ 383588 h 5095933"/>
+              <a:gd name="connsiteX13" fmla="*/ 3464881 w 12192418"/>
+              <a:gd name="connsiteY13" fmla="*/ 414415 h 5095933"/>
+              <a:gd name="connsiteX14" fmla="*/ 3889152 w 12192418"/>
+              <a:gd name="connsiteY14" fmla="*/ 443841 h 5095933"/>
+              <a:gd name="connsiteX15" fmla="*/ 4331710 w 12192418"/>
+              <a:gd name="connsiteY15" fmla="*/ 471515 h 5095933"/>
+              <a:gd name="connsiteX16" fmla="*/ 4558476 w 12192418"/>
+              <a:gd name="connsiteY16" fmla="*/ 481324 h 5095933"/>
+              <a:gd name="connsiteX17" fmla="*/ 4790118 w 12192418"/>
+              <a:gd name="connsiteY17" fmla="*/ 492183 h 5095933"/>
+              <a:gd name="connsiteX18" fmla="*/ 5025418 w 12192418"/>
+              <a:gd name="connsiteY18" fmla="*/ 502342 h 5095933"/>
+              <a:gd name="connsiteX19" fmla="*/ 5261937 w 12192418"/>
+              <a:gd name="connsiteY19" fmla="*/ 508998 h 5095933"/>
+              <a:gd name="connsiteX20" fmla="*/ 5503332 w 12192418"/>
+              <a:gd name="connsiteY20" fmla="*/ 514953 h 5095933"/>
+              <a:gd name="connsiteX21" fmla="*/ 5747167 w 12192418"/>
+              <a:gd name="connsiteY21" fmla="*/ 521259 h 5095933"/>
+              <a:gd name="connsiteX22" fmla="*/ 5995877 w 12192418"/>
+              <a:gd name="connsiteY22" fmla="*/ 525463 h 5095933"/>
+              <a:gd name="connsiteX23" fmla="*/ 6247026 w 12192418"/>
+              <a:gd name="connsiteY23" fmla="*/ 525463 h 5095933"/>
+              <a:gd name="connsiteX24" fmla="*/ 6500613 w 12192418"/>
+              <a:gd name="connsiteY24" fmla="*/ 527565 h 5095933"/>
+              <a:gd name="connsiteX25" fmla="*/ 6756639 w 12192418"/>
+              <a:gd name="connsiteY25" fmla="*/ 525463 h 5095933"/>
+              <a:gd name="connsiteX26" fmla="*/ 7016322 w 12192418"/>
+              <a:gd name="connsiteY26" fmla="*/ 521259 h 5095933"/>
+              <a:gd name="connsiteX27" fmla="*/ 7276005 w 12192418"/>
+              <a:gd name="connsiteY27" fmla="*/ 517406 h 5095933"/>
+              <a:gd name="connsiteX28" fmla="*/ 7539345 w 12192418"/>
+              <a:gd name="connsiteY28" fmla="*/ 508998 h 5095933"/>
+              <a:gd name="connsiteX29" fmla="*/ 7805124 w 12192418"/>
+              <a:gd name="connsiteY29" fmla="*/ 500241 h 5095933"/>
+              <a:gd name="connsiteX30" fmla="*/ 8070903 w 12192418"/>
+              <a:gd name="connsiteY30" fmla="*/ 490082 h 5095933"/>
+              <a:gd name="connsiteX31" fmla="*/ 8339121 w 12192418"/>
+              <a:gd name="connsiteY31" fmla="*/ 475719 h 5095933"/>
+              <a:gd name="connsiteX32" fmla="*/ 8609776 w 12192418"/>
+              <a:gd name="connsiteY32" fmla="*/ 458554 h 5095933"/>
+              <a:gd name="connsiteX33" fmla="*/ 8881651 w 12192418"/>
+              <a:gd name="connsiteY33" fmla="*/ 442089 h 5095933"/>
+              <a:gd name="connsiteX34" fmla="*/ 9153526 w 12192418"/>
+              <a:gd name="connsiteY34" fmla="*/ 421071 h 5095933"/>
+              <a:gd name="connsiteX35" fmla="*/ 9429058 w 12192418"/>
+              <a:gd name="connsiteY35" fmla="*/ 395849 h 5095933"/>
+              <a:gd name="connsiteX36" fmla="*/ 9700933 w 12192418"/>
+              <a:gd name="connsiteY36" fmla="*/ 370626 h 5095933"/>
+              <a:gd name="connsiteX37" fmla="*/ 9977684 w 12192418"/>
+              <a:gd name="connsiteY37" fmla="*/ 341551 h 5095933"/>
+              <a:gd name="connsiteX38" fmla="*/ 10255655 w 12192418"/>
+              <a:gd name="connsiteY38" fmla="*/ 309673 h 5095933"/>
+              <a:gd name="connsiteX39" fmla="*/ 10529968 w 12192418"/>
+              <a:gd name="connsiteY39" fmla="*/ 276043 h 5095933"/>
+              <a:gd name="connsiteX40" fmla="*/ 10807939 w 12192418"/>
+              <a:gd name="connsiteY40" fmla="*/ 236809 h 5095933"/>
+              <a:gd name="connsiteX41" fmla="*/ 11084690 w 12192418"/>
+              <a:gd name="connsiteY41" fmla="*/ 194772 h 5095933"/>
+              <a:gd name="connsiteX42" fmla="*/ 11362661 w 12192418"/>
+              <a:gd name="connsiteY42" fmla="*/ 153085 h 5095933"/>
+              <a:gd name="connsiteX43" fmla="*/ 11639412 w 12192418"/>
+              <a:gd name="connsiteY43" fmla="*/ 104392 h 5095933"/>
+              <a:gd name="connsiteX44" fmla="*/ 11914945 w 12192418"/>
+              <a:gd name="connsiteY44" fmla="*/ 54648 h 5095933"/>
+              <a:gd name="connsiteX45" fmla="*/ 12191696 w 12192418"/>
+              <a:gd name="connsiteY45" fmla="*/ 2452 h 5095933"/>
+              <a:gd name="connsiteX46" fmla="*/ 12191696 w 12192418"/>
+              <a:gd name="connsiteY46" fmla="*/ 2109542 h 5095933"/>
+              <a:gd name="connsiteX47" fmla="*/ 12191999 w 12192418"/>
+              <a:gd name="connsiteY47" fmla="*/ 2109542 h 5095933"/>
+              <a:gd name="connsiteX48" fmla="*/ 12191999 w 12192418"/>
+              <a:gd name="connsiteY48" fmla="*/ 2802467 h 5095933"/>
+              <a:gd name="connsiteX49" fmla="*/ 12192418 w 12192418"/>
+              <a:gd name="connsiteY49" fmla="*/ 2802467 h 5095933"/>
+              <a:gd name="connsiteX50" fmla="*/ 12192418 w 12192418"/>
+              <a:gd name="connsiteY50" fmla="*/ 5095933 h 5095933"/>
+              <a:gd name="connsiteX51" fmla="*/ 1 w 12192418"/>
+              <a:gd name="connsiteY51" fmla="*/ 5095933 h 5095933"/>
+              <a:gd name="connsiteX52" fmla="*/ 1 w 12192418"/>
+              <a:gd name="connsiteY52" fmla="*/ 4074529 h 5095933"/>
+              <a:gd name="connsiteX53" fmla="*/ 0 w 12192418"/>
+              <a:gd name="connsiteY53" fmla="*/ 4074529 h 5095933"/>
+              <a:gd name="connsiteX54" fmla="*/ 0 w 12192418"/>
+              <a:gd name="connsiteY54" fmla="*/ 2109542 h 5095933"/>
+              <a:gd name="connsiteX55" fmla="*/ 1 w 12192418"/>
+              <a:gd name="connsiteY55" fmla="*/ 2109542 h 5095933"/>
+            </a:gdLst>
+            <a:ahLst/>
+            <a:cxnLst>
+              <a:cxn ang="0">
+                <a:pos x="connsiteX0" y="connsiteY0"/>
+              </a:cxn>
+              <a:cxn ang="0">
+                <a:pos x="connsiteX1" y="connsiteY1"/>
+              </a:cxn>
+              <a:cxn ang="0">
+                <a:pos x="connsiteX2" y="connsiteY2"/>
+              </a:cxn>
+              <a:cxn ang="0">
+                <a:pos x="connsiteX3" y="connsiteY3"/>
+              </a:cxn>
+              <a:cxn ang="0">
+                <a:pos x="connsiteX4" y="connsiteY4"/>
+              </a:cxn>
+              <a:cxn ang="0">
+                <a:pos x="connsiteX5" y="connsiteY5"/>
+              </a:cxn>
+              <a:cxn ang="0">
+                <a:pos x="connsiteX6" y="connsiteY6"/>
+              </a:cxn>
+              <a:cxn ang="0">
+                <a:pos x="connsiteX7" y="connsiteY7"/>
+              </a:cxn>
+              <a:cxn ang="0">
+                <a:pos x="connsiteX8" y="connsiteY8"/>
+              </a:cxn>
+              <a:cxn ang="0">
+                <a:pos x="connsiteX9" y="connsiteY9"/>
+              </a:cxn>
+              <a:cxn ang="0">
+                <a:pos x="connsiteX10" y="connsiteY10"/>
+              </a:cxn>
+              <a:cxn ang="0">
+                <a:pos x="connsiteX11" y="connsiteY11"/>
+              </a:cxn>
+              <a:cxn ang="0">
+                <a:pos x="connsiteX12" y="connsiteY12"/>
+              </a:cxn>
+              <a:cxn ang="0">
+                <a:pos x="connsiteX13" y="connsiteY13"/>
+              </a:cxn>
+              <a:cxn ang="0">
+                <a:pos x="connsiteX14" y="connsiteY14"/>
+              </a:cxn>
+              <a:cxn ang="0">
+                <a:pos x="connsiteX15" y="connsiteY15"/>
+              </a:cxn>
+              <a:cxn ang="0">
+                <a:pos x="connsiteX16" y="connsiteY16"/>
+              </a:cxn>
+              <a:cxn ang="0">
+                <a:pos x="connsiteX17" y="connsiteY17"/>
+              </a:cxn>
+              <a:cxn ang="0">
+                <a:pos x="connsiteX18" y="connsiteY18"/>
+              </a:cxn>
+              <a:cxn ang="0">
+                <a:pos x="connsiteX19" y="connsiteY19"/>
+              </a:cxn>
+              <a:cxn ang="0">
+                <a:pos x="connsiteX20" y="connsiteY20"/>
+              </a:cxn>
+              <a:cxn ang="0">
+                <a:pos x="connsiteX21" y="connsiteY21"/>
+              </a:cxn>
+              <a:cxn ang="0">
+                <a:pos x="connsiteX22" y="connsiteY22"/>
+              </a:cxn>
+              <a:cxn ang="0">
+                <a:pos x="connsiteX23" y="connsiteY23"/>
+              </a:cxn>
+              <a:cxn ang="0">
+                <a:pos x="connsiteX24" y="connsiteY24"/>
+              </a:cxn>
+              <a:cxn ang="0">
+                <a:pos x="connsiteX25" y="connsiteY25"/>
+              </a:cxn>
+              <a:cxn ang="0">
+                <a:pos x="connsiteX26" y="connsiteY26"/>
+              </a:cxn>
+              <a:cxn ang="0">
+                <a:pos x="connsiteX27" y="connsiteY27"/>
+              </a:cxn>
+              <a:cxn ang="0">
+                <a:pos x="connsiteX28" y="connsiteY28"/>
+              </a:cxn>
+              <a:cxn ang="0">
+                <a:pos x="connsiteX29" y="connsiteY29"/>
+              </a:cxn>
+              <a:cxn ang="0">
+                <a:pos x="connsiteX30" y="connsiteY30"/>
+              </a:cxn>
+              <a:cxn ang="0">
+                <a:pos x="connsiteX31" y="connsiteY31"/>
+              </a:cxn>
+              <a:cxn ang="0">
+                <a:pos x="connsiteX32" y="connsiteY32"/>
+              </a:cxn>
+              <a:cxn ang="0">
+                <a:pos x="connsiteX33" y="connsiteY33"/>
+              </a:cxn>
+              <a:cxn ang="0">
+                <a:pos x="connsiteX34" y="connsiteY34"/>
+              </a:cxn>
+              <a:cxn ang="0">
+                <a:pos x="connsiteX35" y="connsiteY35"/>
+              </a:cxn>
+              <a:cxn ang="0">
+                <a:pos x="connsiteX36" y="connsiteY36"/>
+              </a:cxn>
+              <a:cxn ang="0">
+                <a:pos x="connsiteX37" y="connsiteY37"/>
+              </a:cxn>
+              <a:cxn ang="0">
+                <a:pos x="connsiteX38" y="connsiteY38"/>
+              </a:cxn>
+              <a:cxn ang="0">
+                <a:pos x="connsiteX39" y="connsiteY39"/>
+              </a:cxn>
+              <a:cxn ang="0">
+                <a:pos x="connsiteX40" y="connsiteY40"/>
+              </a:cxn>
+              <a:cxn ang="0">
+                <a:pos x="connsiteX41" y="connsiteY41"/>
+              </a:cxn>
+              <a:cxn ang="0">
+                <a:pos x="connsiteX42" y="connsiteY42"/>
+              </a:cxn>
+              <a:cxn ang="0">
+                <a:pos x="connsiteX43" y="connsiteY43"/>
+              </a:cxn>
+              <a:cxn ang="0">
+                <a:pos x="connsiteX44" y="connsiteY44"/>
+              </a:cxn>
+              <a:cxn ang="0">
+                <a:pos x="connsiteX45" y="connsiteY45"/>
+              </a:cxn>
+              <a:cxn ang="0">
+                <a:pos x="connsiteX46" y="connsiteY46"/>
+              </a:cxn>
+              <a:cxn ang="0">
+                <a:pos x="connsiteX47" y="connsiteY47"/>
+              </a:cxn>
+              <a:cxn ang="0">
+                <a:pos x="connsiteX48" y="connsiteY48"/>
+              </a:cxn>
+              <a:cxn ang="0">
+                <a:pos x="connsiteX49" y="connsiteY49"/>
+              </a:cxn>
+              <a:cxn ang="0">
+                <a:pos x="connsiteX50" y="connsiteY50"/>
+              </a:cxn>
+              <a:cxn ang="0">
+                <a:pos x="connsiteX51" y="connsiteY51"/>
+              </a:cxn>
+              <a:cxn ang="0">
+                <a:pos x="connsiteX52" y="connsiteY52"/>
+              </a:cxn>
+              <a:cxn ang="0">
+                <a:pos x="connsiteX53" y="connsiteY53"/>
+              </a:cxn>
+              <a:cxn ang="0">
+                <a:pos x="connsiteX54" y="connsiteY54"/>
+              </a:cxn>
+              <a:cxn ang="0">
+                <a:pos x="connsiteX55" y="connsiteY55"/>
+              </a:cxn>
+            </a:cxnLst>
+            <a:rect l="l" t="t" r="r" b="b"/>
+            <a:pathLst>
+              <a:path w="12192418" h="5095933">
+                <a:moveTo>
+                  <a:pt x="1" y="0"/>
+                </a:moveTo>
+                <a:lnTo>
+                  <a:pt x="71932" y="12261"/>
+                </a:lnTo>
+                <a:lnTo>
+                  <a:pt x="282849" y="48343"/>
+                </a:lnTo>
+                <a:lnTo>
+                  <a:pt x="436464" y="73565"/>
+                </a:lnTo>
+                <a:lnTo>
+                  <a:pt x="619339" y="100188"/>
+                </a:lnTo>
+                <a:lnTo>
+                  <a:pt x="836351" y="132066"/>
+                </a:lnTo>
+                <a:lnTo>
+                  <a:pt x="1076528" y="165696"/>
+                </a:lnTo>
+                <a:lnTo>
+                  <a:pt x="1347184" y="201077"/>
+                </a:lnTo>
+                <a:lnTo>
+                  <a:pt x="1642223" y="238560"/>
+                </a:lnTo>
+                <a:lnTo>
+                  <a:pt x="1962864" y="276043"/>
+                </a:lnTo>
+                <a:lnTo>
+                  <a:pt x="2304232" y="314227"/>
+                </a:lnTo>
+                <a:lnTo>
+                  <a:pt x="2672421" y="349608"/>
+                </a:lnTo>
+                <a:lnTo>
+                  <a:pt x="3057678" y="383588"/>
+                </a:lnTo>
+                <a:lnTo>
+                  <a:pt x="3464881" y="414415"/>
+                </a:lnTo>
+                <a:lnTo>
+                  <a:pt x="3889152" y="443841"/>
+                </a:lnTo>
+                <a:lnTo>
+                  <a:pt x="4331710" y="471515"/>
+                </a:lnTo>
+                <a:lnTo>
+                  <a:pt x="4558476" y="481324"/>
+                </a:lnTo>
+                <a:lnTo>
+                  <a:pt x="4790118" y="492183"/>
+                </a:lnTo>
+                <a:lnTo>
+                  <a:pt x="5025418" y="502342"/>
+                </a:lnTo>
+                <a:lnTo>
+                  <a:pt x="5261937" y="508998"/>
+                </a:lnTo>
+                <a:lnTo>
+                  <a:pt x="5503332" y="514953"/>
+                </a:lnTo>
+                <a:lnTo>
+                  <a:pt x="5747167" y="521259"/>
+                </a:lnTo>
+                <a:lnTo>
+                  <a:pt x="5995877" y="525463"/>
+                </a:lnTo>
+                <a:lnTo>
+                  <a:pt x="6247026" y="525463"/>
+                </a:lnTo>
+                <a:lnTo>
+                  <a:pt x="6500613" y="527565"/>
+                </a:lnTo>
+                <a:lnTo>
+                  <a:pt x="6756639" y="525463"/>
+                </a:lnTo>
+                <a:lnTo>
+                  <a:pt x="7016322" y="521259"/>
+                </a:lnTo>
+                <a:lnTo>
+                  <a:pt x="7276005" y="517406"/>
+                </a:lnTo>
+                <a:lnTo>
+                  <a:pt x="7539345" y="508998"/>
+                </a:lnTo>
+                <a:lnTo>
+                  <a:pt x="7805124" y="500241"/>
+                </a:lnTo>
+                <a:lnTo>
+                  <a:pt x="8070903" y="490082"/>
+                </a:lnTo>
+                <a:lnTo>
+                  <a:pt x="8339121" y="475719"/>
+                </a:lnTo>
+                <a:lnTo>
+                  <a:pt x="8609776" y="458554"/>
+                </a:lnTo>
+                <a:lnTo>
+                  <a:pt x="8881651" y="442089"/>
+                </a:lnTo>
+                <a:lnTo>
+                  <a:pt x="9153526" y="421071"/>
+                </a:lnTo>
+                <a:lnTo>
+                  <a:pt x="9429058" y="395849"/>
+                </a:lnTo>
+                <a:lnTo>
+                  <a:pt x="9700933" y="370626"/>
+                </a:lnTo>
+                <a:lnTo>
+                  <a:pt x="9977684" y="341551"/>
+                </a:lnTo>
+                <a:lnTo>
+                  <a:pt x="10255655" y="309673"/>
+                </a:lnTo>
+                <a:lnTo>
+                  <a:pt x="10529968" y="276043"/>
+                </a:lnTo>
+                <a:lnTo>
+                  <a:pt x="10807939" y="236809"/>
+                </a:lnTo>
+                <a:lnTo>
+                  <a:pt x="11084690" y="194772"/>
+                </a:lnTo>
+                <a:lnTo>
+                  <a:pt x="11362661" y="153085"/>
+                </a:lnTo>
+                <a:lnTo>
+                  <a:pt x="11639412" y="104392"/>
+                </a:lnTo>
+                <a:lnTo>
+                  <a:pt x="11914945" y="54648"/>
+                </a:lnTo>
+                <a:lnTo>
+                  <a:pt x="12191696" y="2452"/>
+                </a:lnTo>
+                <a:lnTo>
+                  <a:pt x="12191696" y="2109542"/>
+                </a:lnTo>
+                <a:lnTo>
+                  <a:pt x="12191999" y="2109542"/>
+                </a:lnTo>
+                <a:lnTo>
+                  <a:pt x="12191999" y="2802467"/>
+                </a:lnTo>
+                <a:lnTo>
+                  <a:pt x="12192418" y="2802467"/>
+                </a:lnTo>
+                <a:lnTo>
+                  <a:pt x="12192418" y="5095933"/>
+                </a:lnTo>
+                <a:lnTo>
+                  <a:pt x="1" y="5095933"/>
+                </a:lnTo>
+                <a:lnTo>
+                  <a:pt x="1" y="4074529"/>
+                </a:lnTo>
+                <a:lnTo>
+                  <a:pt x="0" y="4074529"/>
+                </a:lnTo>
+                <a:lnTo>
+                  <a:pt x="0" y="2109542"/>
+                </a:lnTo>
+                <a:lnTo>
+                  <a:pt x="1" y="2109542"/>
+                </a:lnTo>
+                <a:close/>
+              </a:path>
+            </a:pathLst>
+          </a:custGeom>
+          <a:solidFill>
+            <a:schemeClr val="bg1"/>
+          </a:solidFill>
+          <a:ln>
+            <a:noFill/>
+          </a:ln>
+        </p:spPr>
+        <p:txBody>
+          <a:bodyPr/>
+          <a:lstStyle/>
+          <a:p>
+            <a:endParaRPr lang="de-AT"/>
           </a:p>
         </p:txBody>
       </p:sp>
@@ -9082,11 +11543,9 @@
             </a:extLst>
           </p:cNvPr>
           <p:cNvPicPr>
-            <a:picLocks noGrp="1" noChangeAspect="1" noChangeArrowheads="1"/>
+            <a:picLocks noChangeAspect="1" noChangeArrowheads="1"/>
           </p:cNvPicPr>
-          <p:nvPr>
-            <p:ph idx="1"/>
-          </p:nvPr>
+          <p:nvPr/>
         </p:nvPicPr>
         <p:blipFill>
           <a:blip r:embed="rId2">
@@ -9103,8 +11562,8 @@
         </p:blipFill>
         <p:spPr bwMode="auto">
           <a:xfrm>
-            <a:off x="534339" y="3803345"/>
-            <a:ext cx="10464330" cy="831180"/>
+            <a:off x="648930" y="4613655"/>
+            <a:ext cx="10895370" cy="865417"/>
           </a:xfrm>
           <a:prstGeom prst="rect">
             <a:avLst/>
@@ -9137,8 +11596,8 @@
             </p:nvSpPr>
             <p:spPr>
               <a:xfrm>
-                <a:off x="1168626" y="2777656"/>
-                <a:ext cx="9526414" cy="553998"/>
+                <a:off x="1309344" y="3545716"/>
+                <a:ext cx="9918820" cy="576818"/>
               </a:xfrm>
               <a:prstGeom prst="rect">
                 <a:avLst/>
@@ -9151,57 +11610,93 @@
               </a:bodyPr>
               <a:lstStyle/>
               <a:p>
+                <a:pPr defTabSz="475488">
+                  <a:spcAft>
+                    <a:spcPts val="600"/>
+                  </a:spcAft>
+                </a:pPr>
                 <a:r>
-                  <a:rPr lang="de-AT" sz="2800" b="0" dirty="0"/>
+                  <a:rPr lang="de-AT" sz="2912" kern="1200">
+                    <a:solidFill>
+                      <a:schemeClr val="tx1"/>
+                    </a:solidFill>
+                    <a:latin typeface="+mn-lt"/>
+                    <a:ea typeface="+mn-ea"/>
+                    <a:cs typeface="+mn-cs"/>
+                  </a:rPr>
                   <a:t>Position</a:t>
                 </a:r>
                 <a14:m>
                   <m:oMath xmlns:m="http://schemas.openxmlformats.org/officeDocument/2006/math">
                     <m:r>
-                      <a:rPr lang="de-AT" sz="3600" i="1">
+                      <a:rPr lang="de-AT" sz="3744" i="1" kern="1200">
+                        <a:solidFill>
+                          <a:schemeClr val="tx1"/>
+                        </a:solidFill>
                         <a:latin typeface="Cambria Math" panose="02040503050406030204" pitchFamily="18" charset="0"/>
+                        <a:ea typeface="+mn-ea"/>
+                        <a:cs typeface="+mn-cs"/>
                       </a:rPr>
-                      <m:t> </m:t>
+                      <m:t> =</m:t>
                     </m:r>
                     <m:r>
-                      <a:rPr lang="de-AT" sz="3600" b="0" i="1" smtClean="0">
+                      <a:rPr lang="de-AT" sz="3744" i="1" kern="1200">
+                        <a:solidFill>
+                          <a:schemeClr val="tx1"/>
+                        </a:solidFill>
                         <a:latin typeface="Cambria Math" panose="02040503050406030204" pitchFamily="18" charset="0"/>
-                      </a:rPr>
-                      <m:t>=</m:t>
-                    </m:r>
-                    <m:r>
-                      <a:rPr lang="de-AT" sz="3600" b="0" i="1" smtClean="0">
-                        <a:latin typeface="Cambria Math" panose="02040503050406030204" pitchFamily="18" charset="0"/>
+                        <a:ea typeface="+mn-ea"/>
+                        <a:cs typeface="+mn-cs"/>
                       </a:rPr>
                       <m:t>𝑃𝑜𝑠𝑖𝑡𝑖𝑜𝑛</m:t>
                     </m:r>
                     <m:r>
-                      <a:rPr lang="de-AT" sz="3600" b="0" i="1" smtClean="0">
+                      <a:rPr lang="de-AT" sz="3744" i="1" kern="1200">
+                        <a:solidFill>
+                          <a:schemeClr val="tx1"/>
+                        </a:solidFill>
                         <a:latin typeface="Cambria Math" panose="02040503050406030204" pitchFamily="18" charset="0"/>
+                        <a:ea typeface="+mn-ea"/>
+                        <a:cs typeface="+mn-cs"/>
                       </a:rPr>
                       <m:t>+ </m:t>
                     </m:r>
                     <m:r>
-                      <a:rPr lang="de-AT" sz="3600" i="1">
+                      <a:rPr lang="de-AT" sz="3744" i="1" kern="1200">
+                        <a:solidFill>
+                          <a:schemeClr val="tx1"/>
+                        </a:solidFill>
                         <a:latin typeface="Cambria Math" panose="02040503050406030204" pitchFamily="18" charset="0"/>
+                        <a:ea typeface="+mn-ea"/>
+                        <a:cs typeface="+mn-cs"/>
                       </a:rPr>
                       <m:t>𝐺𝑒𝑠𝑐h𝑤𝑖𝑛𝑑𝑖𝑔𝑘𝑒𝑖𝑡</m:t>
                     </m:r>
                     <m:r>
-                      <a:rPr lang="de-AT" sz="3600" b="0" i="1" smtClean="0">
+                      <a:rPr lang="de-AT" sz="3744" i="1" kern="1200">
+                        <a:solidFill>
+                          <a:schemeClr val="tx1"/>
+                        </a:solidFill>
                         <a:latin typeface="Cambria Math" panose="02040503050406030204" pitchFamily="18" charset="0"/>
+                        <a:ea typeface="+mn-ea"/>
+                        <a:cs typeface="+mn-cs"/>
                       </a:rPr>
                       <m:t>  ∗</m:t>
                     </m:r>
                     <m:r>
-                      <a:rPr lang="de-AT" sz="3600" b="0" i="1" smtClean="0">
+                      <a:rPr lang="de-AT" sz="3744" i="1" kern="1200">
+                        <a:solidFill>
+                          <a:schemeClr val="tx1"/>
+                        </a:solidFill>
                         <a:latin typeface="Cambria Math" panose="02040503050406030204" pitchFamily="18" charset="0"/>
+                        <a:ea typeface="+mn-ea"/>
+                        <a:cs typeface="+mn-cs"/>
                       </a:rPr>
                       <m:t>𝑍𝑒𝑖𝑡</m:t>
                     </m:r>
                   </m:oMath>
                 </a14:m>
-                <a:endParaRPr lang="de-AT" sz="2800" dirty="0"/>
+                <a:endParaRPr lang="de-AT" sz="2800"/>
               </a:p>
             </p:txBody>
           </p:sp>
@@ -9223,8 +11718,8 @@
             </p:nvSpPr>
             <p:spPr>
               <a:xfrm>
-                <a:off x="1168626" y="2777656"/>
-                <a:ext cx="9526414" cy="553998"/>
+                <a:off x="1309344" y="3545716"/>
+                <a:ext cx="9918820" cy="576818"/>
               </a:xfrm>
               <a:prstGeom prst="rect">
                 <a:avLst/>
@@ -9232,7 +11727,7 @@
               <a:blipFill>
                 <a:blip r:embed="rId3"/>
                 <a:stretch>
-                  <a:fillRect l="-2305" t="-2198" b="-32967"/>
+                  <a:fillRect l="-2274" t="-3191" b="-34043"/>
                 </a:stretch>
               </a:blipFill>
             </p:spPr>
@@ -9259,12 +11754,12 @@
     </p:extLst>
   </p:cSld>
   <p:clrMapOvr>
-    <a:masterClrMapping/>
+    <a:overrideClrMapping bg1="lt1" tx1="dk1" bg2="lt2" tx2="dk2" accent1="accent1" accent2="accent2" accent3="accent3" accent4="accent4" accent5="accent5" accent6="accent6" hlink="hlink" folHlink="folHlink"/>
   </p:clrMapOvr>
 </p:sld>
 </file>
 
-<file path=ppt/slides/slide6.xml><?xml version="1.0" encoding="utf-8"?>
+<file path=ppt/slides/slide7.xml><?xml version="1.0" encoding="utf-8"?>
 <p:sld xmlns:a="http://schemas.openxmlformats.org/drawingml/2006/main" xmlns:r="http://schemas.openxmlformats.org/officeDocument/2006/relationships" xmlns:p="http://schemas.openxmlformats.org/presentationml/2006/main">
   <p:cSld>
     <p:spTree>
@@ -9360,6 +11855,352 @@
     <p:extLst>
       <p:ext uri="{BB962C8B-B14F-4D97-AF65-F5344CB8AC3E}">
         <p14:creationId xmlns:p14="http://schemas.microsoft.com/office/powerpoint/2010/main" val="270112469"/>
+      </p:ext>
+    </p:extLst>
+  </p:cSld>
+  <p:clrMapOvr>
+    <a:masterClrMapping/>
+  </p:clrMapOvr>
+</p:sld>
+</file>
+
+<file path=ppt/slides/slide8.xml><?xml version="1.0" encoding="utf-8"?>
+<p:sld xmlns:a="http://schemas.openxmlformats.org/drawingml/2006/main" xmlns:r="http://schemas.openxmlformats.org/officeDocument/2006/relationships" xmlns:p="http://schemas.openxmlformats.org/presentationml/2006/main">
+  <p:cSld>
+    <p:spTree>
+      <p:nvGrpSpPr>
+        <p:cNvPr id="1" name=""/>
+        <p:cNvGrpSpPr/>
+        <p:nvPr/>
+      </p:nvGrpSpPr>
+      <p:grpSpPr>
+        <a:xfrm>
+          <a:off x="0" y="0"/>
+          <a:ext cx="0" cy="0"/>
+          <a:chOff x="0" y="0"/>
+          <a:chExt cx="0" cy="0"/>
+        </a:xfrm>
+      </p:grpSpPr>
+      <p:sp>
+        <p:nvSpPr>
+          <p:cNvPr id="2" name="Titel 1">
+            <a:extLst>
+              <a:ext uri="{FF2B5EF4-FFF2-40B4-BE49-F238E27FC236}">
+                <a16:creationId xmlns:a16="http://schemas.microsoft.com/office/drawing/2014/main" id="{DB075671-7D57-3E5E-7410-46DDADFE64A8}"/>
+              </a:ext>
+            </a:extLst>
+          </p:cNvPr>
+          <p:cNvSpPr>
+            <a:spLocks noGrp="1"/>
+          </p:cNvSpPr>
+          <p:nvPr>
+            <p:ph type="title"/>
+          </p:nvPr>
+        </p:nvSpPr>
+        <p:spPr/>
+        <p:txBody>
+          <a:bodyPr/>
+          <a:lstStyle/>
+          <a:p>
+            <a:r>
+              <a:rPr lang="de-AT" dirty="0"/>
+              <a:t>Elemente der Visualisierung</a:t>
+            </a:r>
+          </a:p>
+        </p:txBody>
+      </p:sp>
+      <p:pic>
+        <p:nvPicPr>
+          <p:cNvPr id="5" name="Grafik 4">
+            <a:extLst>
+              <a:ext uri="{FF2B5EF4-FFF2-40B4-BE49-F238E27FC236}">
+                <a16:creationId xmlns:a16="http://schemas.microsoft.com/office/drawing/2014/main" id="{2B55B156-B762-645C-35D4-3EF4A4B0E19B}"/>
+              </a:ext>
+            </a:extLst>
+          </p:cNvPr>
+          <p:cNvPicPr>
+            <a:picLocks noChangeAspect="1"/>
+          </p:cNvPicPr>
+          <p:nvPr/>
+        </p:nvPicPr>
+        <p:blipFill>
+          <a:blip r:embed="rId2">
+            <a:extLst>
+              <a:ext uri="{28A0092B-C50C-407E-A947-70E740481C1C}">
+                <a14:useLocalDpi xmlns:a14="http://schemas.microsoft.com/office/drawing/2010/main" val="0"/>
+              </a:ext>
+            </a:extLst>
+          </a:blip>
+          <a:stretch>
+            <a:fillRect/>
+          </a:stretch>
+        </p:blipFill>
+        <p:spPr>
+          <a:xfrm>
+            <a:off x="6804218" y="3849629"/>
+            <a:ext cx="1215991" cy="2489885"/>
+          </a:xfrm>
+          <a:prstGeom prst="rect">
+            <a:avLst/>
+          </a:prstGeom>
+        </p:spPr>
+      </p:pic>
+      <p:pic>
+        <p:nvPicPr>
+          <p:cNvPr id="7" name="Grafik 6">
+            <a:extLst>
+              <a:ext uri="{FF2B5EF4-FFF2-40B4-BE49-F238E27FC236}">
+                <a16:creationId xmlns:a16="http://schemas.microsoft.com/office/drawing/2014/main" id="{EA6D3710-7EB7-0501-79F6-E6CC45F908E1}"/>
+              </a:ext>
+            </a:extLst>
+          </p:cNvPr>
+          <p:cNvPicPr>
+            <a:picLocks noChangeAspect="1"/>
+          </p:cNvPicPr>
+          <p:nvPr/>
+        </p:nvPicPr>
+        <p:blipFill>
+          <a:blip r:embed="rId3">
+            <a:extLst>
+              <a:ext uri="{28A0092B-C50C-407E-A947-70E740481C1C}">
+                <a14:useLocalDpi xmlns:a14="http://schemas.microsoft.com/office/drawing/2010/main" val="0"/>
+              </a:ext>
+            </a:extLst>
+          </a:blip>
+          <a:stretch>
+            <a:fillRect/>
+          </a:stretch>
+        </p:blipFill>
+        <p:spPr>
+          <a:xfrm>
+            <a:off x="4026698" y="3918756"/>
+            <a:ext cx="2242050" cy="2171993"/>
+          </a:xfrm>
+          <a:prstGeom prst="rect">
+            <a:avLst/>
+          </a:prstGeom>
+        </p:spPr>
+      </p:pic>
+      <p:pic>
+        <p:nvPicPr>
+          <p:cNvPr id="9" name="Grafik 8">
+            <a:extLst>
+              <a:ext uri="{FF2B5EF4-FFF2-40B4-BE49-F238E27FC236}">
+                <a16:creationId xmlns:a16="http://schemas.microsoft.com/office/drawing/2014/main" id="{30EF822C-2FD2-D775-0C47-687A4F484458}"/>
+              </a:ext>
+            </a:extLst>
+          </p:cNvPr>
+          <p:cNvPicPr>
+            <a:picLocks noChangeAspect="1"/>
+          </p:cNvPicPr>
+          <p:nvPr/>
+        </p:nvPicPr>
+        <p:blipFill>
+          <a:blip r:embed="rId4">
+            <a:extLst>
+              <a:ext uri="{28A0092B-C50C-407E-A947-70E740481C1C}">
+                <a14:useLocalDpi xmlns:a14="http://schemas.microsoft.com/office/drawing/2010/main" val="0"/>
+              </a:ext>
+            </a:extLst>
+          </a:blip>
+          <a:stretch>
+            <a:fillRect/>
+          </a:stretch>
+        </p:blipFill>
+        <p:spPr>
+          <a:xfrm>
+            <a:off x="8651805" y="3952993"/>
+            <a:ext cx="2389192" cy="2389192"/>
+          </a:xfrm>
+          <a:prstGeom prst="rect">
+            <a:avLst/>
+          </a:prstGeom>
+        </p:spPr>
+      </p:pic>
+      <p:pic>
+        <p:nvPicPr>
+          <p:cNvPr id="11" name="Grafik 10" descr="Ein Bild, das Fahrzeug, Landfahrzeug, Auto, Rad enthält.&#10;&#10;Automatisch generierte Beschreibung">
+            <a:extLst>
+              <a:ext uri="{FF2B5EF4-FFF2-40B4-BE49-F238E27FC236}">
+                <a16:creationId xmlns:a16="http://schemas.microsoft.com/office/drawing/2014/main" id="{5FCE0E36-6FE7-ABE5-4367-40071BCB42EC}"/>
+              </a:ext>
+            </a:extLst>
+          </p:cNvPr>
+          <p:cNvPicPr>
+            <a:picLocks noChangeAspect="1"/>
+          </p:cNvPicPr>
+          <p:nvPr/>
+        </p:nvPicPr>
+        <p:blipFill>
+          <a:blip r:embed="rId5">
+            <a:extLst>
+              <a:ext uri="{28A0092B-C50C-407E-A947-70E740481C1C}">
+                <a14:useLocalDpi xmlns:a14="http://schemas.microsoft.com/office/drawing/2010/main" val="0"/>
+              </a:ext>
+            </a:extLst>
+          </a:blip>
+          <a:stretch>
+            <a:fillRect/>
+          </a:stretch>
+        </p:blipFill>
+        <p:spPr>
+          <a:xfrm>
+            <a:off x="1442006" y="1697678"/>
+            <a:ext cx="3487575" cy="1464782"/>
+          </a:xfrm>
+          <a:prstGeom prst="rect">
+            <a:avLst/>
+          </a:prstGeom>
+        </p:spPr>
+      </p:pic>
+      <p:pic>
+        <p:nvPicPr>
+          <p:cNvPr id="13" name="Grafik 12">
+            <a:extLst>
+              <a:ext uri="{FF2B5EF4-FFF2-40B4-BE49-F238E27FC236}">
+                <a16:creationId xmlns:a16="http://schemas.microsoft.com/office/drawing/2014/main" id="{91E34B2B-7D71-8293-13B2-F5CA0BE26566}"/>
+              </a:ext>
+            </a:extLst>
+          </p:cNvPr>
+          <p:cNvPicPr>
+            <a:picLocks noChangeAspect="1"/>
+          </p:cNvPicPr>
+          <p:nvPr/>
+        </p:nvPicPr>
+        <p:blipFill>
+          <a:blip r:embed="rId6">
+            <a:extLst>
+              <a:ext uri="{28A0092B-C50C-407E-A947-70E740481C1C}">
+                <a14:useLocalDpi xmlns:a14="http://schemas.microsoft.com/office/drawing/2010/main" val="0"/>
+              </a:ext>
+            </a:extLst>
+          </a:blip>
+          <a:stretch>
+            <a:fillRect/>
+          </a:stretch>
+        </p:blipFill>
+        <p:spPr>
+          <a:xfrm>
+            <a:off x="2325841" y="4778783"/>
+            <a:ext cx="573249" cy="1210199"/>
+          </a:xfrm>
+          <a:prstGeom prst="rect">
+            <a:avLst/>
+          </a:prstGeom>
+        </p:spPr>
+      </p:pic>
+      <p:pic>
+        <p:nvPicPr>
+          <p:cNvPr id="15" name="Grafik 14">
+            <a:extLst>
+              <a:ext uri="{FF2B5EF4-FFF2-40B4-BE49-F238E27FC236}">
+                <a16:creationId xmlns:a16="http://schemas.microsoft.com/office/drawing/2014/main" id="{52C7E2A5-248A-882B-B9D0-DC6A17851CD3}"/>
+              </a:ext>
+            </a:extLst>
+          </p:cNvPr>
+          <p:cNvPicPr>
+            <a:picLocks noChangeAspect="1"/>
+          </p:cNvPicPr>
+          <p:nvPr/>
+        </p:nvPicPr>
+        <p:blipFill>
+          <a:blip r:embed="rId7">
+            <a:extLst>
+              <a:ext uri="{28A0092B-C50C-407E-A947-70E740481C1C}">
+                <a14:useLocalDpi xmlns:a14="http://schemas.microsoft.com/office/drawing/2010/main" val="0"/>
+              </a:ext>
+            </a:extLst>
+          </a:blip>
+          <a:stretch>
+            <a:fillRect/>
+          </a:stretch>
+        </p:blipFill>
+        <p:spPr>
+          <a:xfrm>
+            <a:off x="2899090" y="3986547"/>
+            <a:ext cx="573249" cy="573249"/>
+          </a:xfrm>
+          <a:prstGeom prst="rect">
+            <a:avLst/>
+          </a:prstGeom>
+        </p:spPr>
+      </p:pic>
+      <p:pic>
+        <p:nvPicPr>
+          <p:cNvPr id="17" name="Grafik 16">
+            <a:extLst>
+              <a:ext uri="{FF2B5EF4-FFF2-40B4-BE49-F238E27FC236}">
+                <a16:creationId xmlns:a16="http://schemas.microsoft.com/office/drawing/2014/main" id="{3DEF72E9-02A8-16B0-E14F-5AFC2A37A008}"/>
+              </a:ext>
+            </a:extLst>
+          </p:cNvPr>
+          <p:cNvPicPr>
+            <a:picLocks noChangeAspect="1"/>
+          </p:cNvPicPr>
+          <p:nvPr/>
+        </p:nvPicPr>
+        <p:blipFill>
+          <a:blip r:embed="rId8">
+            <a:extLst>
+              <a:ext uri="{28A0092B-C50C-407E-A947-70E740481C1C}">
+                <a14:useLocalDpi xmlns:a14="http://schemas.microsoft.com/office/drawing/2010/main" val="0"/>
+              </a:ext>
+            </a:extLst>
+          </a:blip>
+          <a:stretch>
+            <a:fillRect/>
+          </a:stretch>
+        </p:blipFill>
+        <p:spPr>
+          <a:xfrm>
+            <a:off x="1467025" y="3947196"/>
+            <a:ext cx="588561" cy="588561"/>
+          </a:xfrm>
+          <a:prstGeom prst="rect">
+            <a:avLst/>
+          </a:prstGeom>
+        </p:spPr>
+      </p:pic>
+      <p:pic>
+        <p:nvPicPr>
+          <p:cNvPr id="19" name="Grafik 18">
+            <a:extLst>
+              <a:ext uri="{FF2B5EF4-FFF2-40B4-BE49-F238E27FC236}">
+                <a16:creationId xmlns:a16="http://schemas.microsoft.com/office/drawing/2014/main" id="{FDAD383C-4669-5BCE-AAB5-12A6EC47DC37}"/>
+              </a:ext>
+            </a:extLst>
+          </p:cNvPr>
+          <p:cNvPicPr>
+            <a:picLocks noChangeAspect="1"/>
+          </p:cNvPicPr>
+          <p:nvPr/>
+        </p:nvPicPr>
+        <p:blipFill>
+          <a:blip r:embed="rId9">
+            <a:extLst>
+              <a:ext uri="{28A0092B-C50C-407E-A947-70E740481C1C}">
+                <a14:useLocalDpi xmlns:a14="http://schemas.microsoft.com/office/drawing/2010/main" val="0"/>
+              </a:ext>
+            </a:extLst>
+          </a:blip>
+          <a:stretch>
+            <a:fillRect/>
+          </a:stretch>
+        </p:blipFill>
+        <p:spPr>
+          <a:xfrm>
+            <a:off x="6096000" y="2472181"/>
+            <a:ext cx="4735325" cy="378826"/>
+          </a:xfrm>
+          <a:prstGeom prst="rect">
+            <a:avLst/>
+          </a:prstGeom>
+        </p:spPr>
+      </p:pic>
+    </p:spTree>
+    <p:extLst>
+      <p:ext uri="{BB962C8B-B14F-4D97-AF65-F5344CB8AC3E}">
+        <p14:creationId xmlns:p14="http://schemas.microsoft.com/office/powerpoint/2010/main" val="2460163033"/>
       </p:ext>
     </p:extLst>
   </p:cSld>
